--- a/Лаба 1 Тфкп.pptx
+++ b/Лаба 1 Тфкп.pptx
@@ -13,16 +13,19 @@
     <p:sldId id="258" r:id="rId8"/>
     <p:sldId id="259" r:id="rId9"/>
     <p:sldId id="260" r:id="rId10"/>
+    <p:sldId id="261" r:id="rId11"/>
+    <p:sldId id="262" r:id="rId12"/>
+    <p:sldId id="263" r:id="rId13"/>
   </p:sldIdLst>
   <p:sldSz cy="6565900" cx="10515600"/>
   <p:notesSz cx="10515600" cy="6565900"/>
   <p:embeddedFontLst>
     <p:embeddedFont>
       <p:font typeface="Helvetica Neue"/>
-      <p:regular r:id="rId11"/>
-      <p:bold r:id="rId12"/>
-      <p:italic r:id="rId13"/>
-      <p:boldItalic r:id="rId14"/>
+      <p:regular r:id="rId14"/>
+      <p:bold r:id="rId15"/>
+      <p:italic r:id="rId16"/>
+      <p:boldItalic r:id="rId17"/>
     </p:embeddedFont>
   </p:embeddedFontLst>
   <p:defaultTextStyle>
@@ -803,7 +806,7 @@
   <p:cSld>
     <p:spTree>
       <p:nvGrpSpPr>
-        <p:cNvPr id="49" name="Shape 49"/>
+        <p:cNvPr id="50" name="Shape 50"/>
         <p:cNvGrpSpPr/>
         <p:nvPr/>
       </p:nvGrpSpPr>
@@ -817,7 +820,7 @@
       </p:grpSpPr>
       <p:sp>
         <p:nvSpPr>
-          <p:cNvPr id="50" name="Google Shape;50;p2:notes"/>
+          <p:cNvPr id="51" name="Google Shape;51;g313c6cfc292_0_0:notes"/>
           <p:cNvSpPr txBox="1"/>
           <p:nvPr>
             <p:ph idx="1" type="body"/>
@@ -826,7 +829,7 @@
         <p:spPr>
           <a:xfrm>
             <a:off x="1051550" y="3118800"/>
-            <a:ext cx="8412475" cy="2954650"/>
+            <a:ext cx="8412600" cy="2954700"/>
           </a:xfrm>
           <a:prstGeom prst="rect">
             <a:avLst/>
@@ -856,7 +859,7 @@
       </p:sp>
       <p:sp>
         <p:nvSpPr>
-          <p:cNvPr id="51" name="Google Shape;51;p2:notes"/>
+          <p:cNvPr id="52" name="Google Shape;52;g313c6cfc292_0_0:notes"/>
           <p:cNvSpPr/>
           <p:nvPr>
             <p:ph idx="2" type="sldImg"/>
@@ -865,7 +868,7 @@
         <p:spPr>
           <a:xfrm>
             <a:off x="1752950" y="492425"/>
-            <a:ext cx="7010750" cy="2462200"/>
+            <a:ext cx="7010700" cy="2462100"/>
           </a:xfrm>
           <a:custGeom>
             <a:rect b="b" l="l" r="r" t="t"/>
@@ -902,7 +905,7 @@
   <p:cSld>
     <p:spTree>
       <p:nvGrpSpPr>
-        <p:cNvPr id="64" name="Shape 64"/>
+        <p:cNvPr id="60" name="Shape 60"/>
         <p:cNvGrpSpPr/>
         <p:nvPr/>
       </p:nvGrpSpPr>
@@ -916,7 +919,7 @@
       </p:grpSpPr>
       <p:sp>
         <p:nvSpPr>
-          <p:cNvPr id="65" name="Google Shape;65;g313c206bbf7_0_2:notes"/>
+          <p:cNvPr id="61" name="Google Shape;61;g313c6cfc292_0_18:notes"/>
           <p:cNvSpPr txBox="1"/>
           <p:nvPr>
             <p:ph idx="1" type="body"/>
@@ -955,7 +958,7 @@
       </p:sp>
       <p:sp>
         <p:nvSpPr>
-          <p:cNvPr id="66" name="Google Shape;66;g313c206bbf7_0_2:notes"/>
+          <p:cNvPr id="62" name="Google Shape;62;g313c6cfc292_0_18:notes"/>
           <p:cNvSpPr/>
           <p:nvPr>
             <p:ph idx="2" type="sldImg"/>
@@ -1001,7 +1004,7 @@
   <p:cSld>
     <p:spTree>
       <p:nvGrpSpPr>
-        <p:cNvPr id="79" name="Shape 79"/>
+        <p:cNvPr id="70" name="Shape 70"/>
         <p:cNvGrpSpPr/>
         <p:nvPr/>
       </p:nvGrpSpPr>
@@ -1015,7 +1018,7 @@
       </p:grpSpPr>
       <p:sp>
         <p:nvSpPr>
-          <p:cNvPr id="80" name="Google Shape;80;g313c206bbf7_0_9:notes"/>
+          <p:cNvPr id="71" name="Google Shape;71;g313c6cfc292_0_50:notes"/>
           <p:cNvSpPr txBox="1"/>
           <p:nvPr>
             <p:ph idx="1" type="body"/>
@@ -1054,7 +1057,7 @@
       </p:sp>
       <p:sp>
         <p:nvSpPr>
-          <p:cNvPr id="81" name="Google Shape;81;g313c206bbf7_0_9:notes"/>
+          <p:cNvPr id="72" name="Google Shape;72;g313c6cfc292_0_50:notes"/>
           <p:cNvSpPr/>
           <p:nvPr>
             <p:ph idx="2" type="sldImg"/>
@@ -1100,7 +1103,7 @@
   <p:cSld>
     <p:spTree>
       <p:nvGrpSpPr>
-        <p:cNvPr id="89" name="Shape 89"/>
+        <p:cNvPr id="80" name="Shape 80"/>
         <p:cNvGrpSpPr/>
         <p:nvPr/>
       </p:nvGrpSpPr>
@@ -1114,7 +1117,7 @@
       </p:grpSpPr>
       <p:sp>
         <p:nvSpPr>
-          <p:cNvPr id="90" name="Google Shape;90;p8:notes"/>
+          <p:cNvPr id="81" name="Google Shape;81;p2:notes"/>
           <p:cNvSpPr txBox="1"/>
           <p:nvPr>
             <p:ph idx="1" type="body"/>
@@ -1153,7 +1156,304 @@
       </p:sp>
       <p:sp>
         <p:nvSpPr>
-          <p:cNvPr id="91" name="Google Shape;91;p8:notes"/>
+          <p:cNvPr id="82" name="Google Shape;82;p2:notes"/>
+          <p:cNvSpPr/>
+          <p:nvPr>
+            <p:ph idx="2" type="sldImg"/>
+          </p:nvPr>
+        </p:nvSpPr>
+        <p:spPr>
+          <a:xfrm>
+            <a:off x="1752950" y="492425"/>
+            <a:ext cx="7010750" cy="2462200"/>
+          </a:xfrm>
+          <a:custGeom>
+            <a:rect b="b" l="l" r="r" t="t"/>
+            <a:pathLst>
+              <a:path extrusionOk="0" h="120000" w="120000">
+                <a:moveTo>
+                  <a:pt x="0" y="0"/>
+                </a:moveTo>
+                <a:lnTo>
+                  <a:pt x="120000" y="0"/>
+                </a:lnTo>
+                <a:lnTo>
+                  <a:pt x="120000" y="120000"/>
+                </a:lnTo>
+                <a:lnTo>
+                  <a:pt x="0" y="120000"/>
+                </a:lnTo>
+                <a:close/>
+              </a:path>
+            </a:pathLst>
+          </a:custGeom>
+        </p:spPr>
+      </p:sp>
+    </p:spTree>
+  </p:cSld>
+  <p:clrMapOvr>
+    <a:masterClrMapping/>
+  </p:clrMapOvr>
+</p:notes>
+</file>
+
+<file path=ppt/notesSlides/notesSlide6.xml><?xml version="1.0" encoding="utf-8"?>
+<p:notes xmlns:a="http://schemas.openxmlformats.org/drawingml/2006/main" xmlns:r="http://schemas.openxmlformats.org/officeDocument/2006/relationships" xmlns:mc="http://schemas.openxmlformats.org/markup-compatibility/2006" xmlns:mv="urn:schemas-microsoft-com:mac:vml" xmlns:p="http://schemas.openxmlformats.org/presentationml/2006/main" xmlns:c="http://schemas.openxmlformats.org/drawingml/2006/chart" xmlns:dgm="http://schemas.openxmlformats.org/drawingml/2006/diagram" xmlns:o="urn:schemas-microsoft-com:office:office" xmlns:v="urn:schemas-microsoft-com:vml" xmlns:pvml="urn:schemas-microsoft-com:office:powerpoint" xmlns:com="http://schemas.openxmlformats.org/drawingml/2006/compatibility" xmlns:p14="http://schemas.microsoft.com/office/powerpoint/2010/main" xmlns:p15="http://schemas.microsoft.com/office/powerpoint/2012/main" xmlns:ahyp="http://schemas.microsoft.com/office/drawing/2018/hyperlinkcolor" showMasterPhAnim="0" showMasterSp="0">
+  <p:cSld>
+    <p:spTree>
+      <p:nvGrpSpPr>
+        <p:cNvPr id="95" name="Shape 95"/>
+        <p:cNvGrpSpPr/>
+        <p:nvPr/>
+      </p:nvGrpSpPr>
+      <p:grpSpPr>
+        <a:xfrm>
+          <a:off x="0" y="0"/>
+          <a:ext cx="0" cy="0"/>
+          <a:chOff x="0" y="0"/>
+          <a:chExt cx="0" cy="0"/>
+        </a:xfrm>
+      </p:grpSpPr>
+      <p:sp>
+        <p:nvSpPr>
+          <p:cNvPr id="96" name="Google Shape;96;g313c206bbf7_0_2:notes"/>
+          <p:cNvSpPr txBox="1"/>
+          <p:nvPr>
+            <p:ph idx="1" type="body"/>
+          </p:nvPr>
+        </p:nvSpPr>
+        <p:spPr>
+          <a:xfrm>
+            <a:off x="1051550" y="3118800"/>
+            <a:ext cx="8412600" cy="2954700"/>
+          </a:xfrm>
+          <a:prstGeom prst="rect">
+            <a:avLst/>
+          </a:prstGeom>
+        </p:spPr>
+        <p:txBody>
+          <a:bodyPr anchorCtr="0" anchor="t" bIns="91425" lIns="91425" spcFirstLastPara="1" rIns="91425" wrap="square" tIns="91425">
+            <a:noAutofit/>
+          </a:bodyPr>
+          <a:lstStyle/>
+          <a:p>
+            <a:pPr indent="0" lvl="0" marL="0" rtl="0" algn="l">
+              <a:spcBef>
+                <a:spcPts val="0"/>
+              </a:spcBef>
+              <a:spcAft>
+                <a:spcPts val="0"/>
+              </a:spcAft>
+              <a:buNone/>
+            </a:pPr>
+            <a:r>
+              <a:t/>
+            </a:r>
+            <a:endParaRPr/>
+          </a:p>
+        </p:txBody>
+      </p:sp>
+      <p:sp>
+        <p:nvSpPr>
+          <p:cNvPr id="97" name="Google Shape;97;g313c206bbf7_0_2:notes"/>
+          <p:cNvSpPr/>
+          <p:nvPr>
+            <p:ph idx="2" type="sldImg"/>
+          </p:nvPr>
+        </p:nvSpPr>
+        <p:spPr>
+          <a:xfrm>
+            <a:off x="1752950" y="492425"/>
+            <a:ext cx="7010700" cy="2462100"/>
+          </a:xfrm>
+          <a:custGeom>
+            <a:rect b="b" l="l" r="r" t="t"/>
+            <a:pathLst>
+              <a:path extrusionOk="0" h="120000" w="120000">
+                <a:moveTo>
+                  <a:pt x="0" y="0"/>
+                </a:moveTo>
+                <a:lnTo>
+                  <a:pt x="120000" y="0"/>
+                </a:lnTo>
+                <a:lnTo>
+                  <a:pt x="120000" y="120000"/>
+                </a:lnTo>
+                <a:lnTo>
+                  <a:pt x="0" y="120000"/>
+                </a:lnTo>
+                <a:close/>
+              </a:path>
+            </a:pathLst>
+          </a:custGeom>
+        </p:spPr>
+      </p:sp>
+    </p:spTree>
+  </p:cSld>
+  <p:clrMapOvr>
+    <a:masterClrMapping/>
+  </p:clrMapOvr>
+</p:notes>
+</file>
+
+<file path=ppt/notesSlides/notesSlide7.xml><?xml version="1.0" encoding="utf-8"?>
+<p:notes xmlns:a="http://schemas.openxmlformats.org/drawingml/2006/main" xmlns:r="http://schemas.openxmlformats.org/officeDocument/2006/relationships" xmlns:mc="http://schemas.openxmlformats.org/markup-compatibility/2006" xmlns:mv="urn:schemas-microsoft-com:mac:vml" xmlns:p="http://schemas.openxmlformats.org/presentationml/2006/main" xmlns:c="http://schemas.openxmlformats.org/drawingml/2006/chart" xmlns:dgm="http://schemas.openxmlformats.org/drawingml/2006/diagram" xmlns:o="urn:schemas-microsoft-com:office:office" xmlns:v="urn:schemas-microsoft-com:vml" xmlns:pvml="urn:schemas-microsoft-com:office:powerpoint" xmlns:com="http://schemas.openxmlformats.org/drawingml/2006/compatibility" xmlns:p14="http://schemas.microsoft.com/office/powerpoint/2010/main" xmlns:p15="http://schemas.microsoft.com/office/powerpoint/2012/main" xmlns:ahyp="http://schemas.microsoft.com/office/drawing/2018/hyperlinkcolor" showMasterPhAnim="0" showMasterSp="0">
+  <p:cSld>
+    <p:spTree>
+      <p:nvGrpSpPr>
+        <p:cNvPr id="110" name="Shape 110"/>
+        <p:cNvGrpSpPr/>
+        <p:nvPr/>
+      </p:nvGrpSpPr>
+      <p:grpSpPr>
+        <a:xfrm>
+          <a:off x="0" y="0"/>
+          <a:ext cx="0" cy="0"/>
+          <a:chOff x="0" y="0"/>
+          <a:chExt cx="0" cy="0"/>
+        </a:xfrm>
+      </p:grpSpPr>
+      <p:sp>
+        <p:nvSpPr>
+          <p:cNvPr id="111" name="Google Shape;111;g313c206bbf7_0_9:notes"/>
+          <p:cNvSpPr txBox="1"/>
+          <p:nvPr>
+            <p:ph idx="1" type="body"/>
+          </p:nvPr>
+        </p:nvSpPr>
+        <p:spPr>
+          <a:xfrm>
+            <a:off x="1051550" y="3118800"/>
+            <a:ext cx="8412600" cy="2954700"/>
+          </a:xfrm>
+          <a:prstGeom prst="rect">
+            <a:avLst/>
+          </a:prstGeom>
+        </p:spPr>
+        <p:txBody>
+          <a:bodyPr anchorCtr="0" anchor="t" bIns="91425" lIns="91425" spcFirstLastPara="1" rIns="91425" wrap="square" tIns="91425">
+            <a:noAutofit/>
+          </a:bodyPr>
+          <a:lstStyle/>
+          <a:p>
+            <a:pPr indent="0" lvl="0" marL="0" rtl="0" algn="l">
+              <a:spcBef>
+                <a:spcPts val="0"/>
+              </a:spcBef>
+              <a:spcAft>
+                <a:spcPts val="0"/>
+              </a:spcAft>
+              <a:buNone/>
+            </a:pPr>
+            <a:r>
+              <a:t/>
+            </a:r>
+            <a:endParaRPr/>
+          </a:p>
+        </p:txBody>
+      </p:sp>
+      <p:sp>
+        <p:nvSpPr>
+          <p:cNvPr id="112" name="Google Shape;112;g313c206bbf7_0_9:notes"/>
+          <p:cNvSpPr/>
+          <p:nvPr>
+            <p:ph idx="2" type="sldImg"/>
+          </p:nvPr>
+        </p:nvSpPr>
+        <p:spPr>
+          <a:xfrm>
+            <a:off x="1752950" y="492425"/>
+            <a:ext cx="7010700" cy="2462100"/>
+          </a:xfrm>
+          <a:custGeom>
+            <a:rect b="b" l="l" r="r" t="t"/>
+            <a:pathLst>
+              <a:path extrusionOk="0" h="120000" w="120000">
+                <a:moveTo>
+                  <a:pt x="0" y="0"/>
+                </a:moveTo>
+                <a:lnTo>
+                  <a:pt x="120000" y="0"/>
+                </a:lnTo>
+                <a:lnTo>
+                  <a:pt x="120000" y="120000"/>
+                </a:lnTo>
+                <a:lnTo>
+                  <a:pt x="0" y="120000"/>
+                </a:lnTo>
+                <a:close/>
+              </a:path>
+            </a:pathLst>
+          </a:custGeom>
+        </p:spPr>
+      </p:sp>
+    </p:spTree>
+  </p:cSld>
+  <p:clrMapOvr>
+    <a:masterClrMapping/>
+  </p:clrMapOvr>
+</p:notes>
+</file>
+
+<file path=ppt/notesSlides/notesSlide8.xml><?xml version="1.0" encoding="utf-8"?>
+<p:notes xmlns:a="http://schemas.openxmlformats.org/drawingml/2006/main" xmlns:r="http://schemas.openxmlformats.org/officeDocument/2006/relationships" xmlns:mc="http://schemas.openxmlformats.org/markup-compatibility/2006" xmlns:mv="urn:schemas-microsoft-com:mac:vml" xmlns:p="http://schemas.openxmlformats.org/presentationml/2006/main" xmlns:c="http://schemas.openxmlformats.org/drawingml/2006/chart" xmlns:dgm="http://schemas.openxmlformats.org/drawingml/2006/diagram" xmlns:o="urn:schemas-microsoft-com:office:office" xmlns:v="urn:schemas-microsoft-com:vml" xmlns:pvml="urn:schemas-microsoft-com:office:powerpoint" xmlns:com="http://schemas.openxmlformats.org/drawingml/2006/compatibility" xmlns:p14="http://schemas.microsoft.com/office/powerpoint/2010/main" xmlns:p15="http://schemas.microsoft.com/office/powerpoint/2012/main" xmlns:ahyp="http://schemas.microsoft.com/office/drawing/2018/hyperlinkcolor" showMasterPhAnim="0" showMasterSp="0">
+  <p:cSld>
+    <p:spTree>
+      <p:nvGrpSpPr>
+        <p:cNvPr id="120" name="Shape 120"/>
+        <p:cNvGrpSpPr/>
+        <p:nvPr/>
+      </p:nvGrpSpPr>
+      <p:grpSpPr>
+        <a:xfrm>
+          <a:off x="0" y="0"/>
+          <a:ext cx="0" cy="0"/>
+          <a:chOff x="0" y="0"/>
+          <a:chExt cx="0" cy="0"/>
+        </a:xfrm>
+      </p:grpSpPr>
+      <p:sp>
+        <p:nvSpPr>
+          <p:cNvPr id="121" name="Google Shape;121;p8:notes"/>
+          <p:cNvSpPr txBox="1"/>
+          <p:nvPr>
+            <p:ph idx="1" type="body"/>
+          </p:nvPr>
+        </p:nvSpPr>
+        <p:spPr>
+          <a:xfrm>
+            <a:off x="1051550" y="3118800"/>
+            <a:ext cx="8412475" cy="2954650"/>
+          </a:xfrm>
+          <a:prstGeom prst="rect">
+            <a:avLst/>
+          </a:prstGeom>
+        </p:spPr>
+        <p:txBody>
+          <a:bodyPr anchorCtr="0" anchor="t" bIns="91425" lIns="91425" spcFirstLastPara="1" rIns="91425" wrap="square" tIns="91425">
+            <a:noAutofit/>
+          </a:bodyPr>
+          <a:lstStyle/>
+          <a:p>
+            <a:pPr indent="0" lvl="0" marL="0" rtl="0" algn="l">
+              <a:spcBef>
+                <a:spcPts val="0"/>
+              </a:spcBef>
+              <a:spcAft>
+                <a:spcPts val="0"/>
+              </a:spcAft>
+              <a:buNone/>
+            </a:pPr>
+            <a:r>
+              <a:t/>
+            </a:r>
+            <a:endParaRPr/>
+          </a:p>
+        </p:txBody>
+      </p:sp>
+      <p:sp>
+        <p:nvSpPr>
+          <p:cNvPr id="122" name="Google Shape;122;p8:notes"/>
           <p:cNvSpPr/>
           <p:nvPr>
             <p:ph idx="2" type="sldImg"/>
@@ -6600,6 +6900,91 @@
           </a:p>
         </p:txBody>
       </p:sp>
+      <p:sp>
+        <p:nvSpPr>
+          <p:cNvPr id="49" name="Google Shape;49;p7"/>
+          <p:cNvSpPr txBox="1"/>
+          <p:nvPr>
+            <p:ph type="title"/>
+          </p:nvPr>
+        </p:nvSpPr>
+        <p:spPr>
+          <a:xfrm>
+            <a:off x="4256702" y="4738265"/>
+            <a:ext cx="6058500" cy="948000"/>
+          </a:xfrm>
+          <a:prstGeom prst="rect">
+            <a:avLst/>
+          </a:prstGeom>
+          <a:noFill/>
+          <a:ln>
+            <a:noFill/>
+          </a:ln>
+        </p:spPr>
+        <p:txBody>
+          <a:bodyPr anchorCtr="0" anchor="t" bIns="0" lIns="0" spcFirstLastPara="1" rIns="0" wrap="square" tIns="15875">
+            <a:spAutoFit/>
+          </a:bodyPr>
+          <a:lstStyle/>
+          <a:p>
+            <a:pPr indent="0" lvl="0" marL="12700" marR="5080" rtl="0" algn="r">
+              <a:lnSpc>
+                <a:spcPct val="118200"/>
+              </a:lnSpc>
+              <a:spcBef>
+                <a:spcPts val="0"/>
+              </a:spcBef>
+              <a:spcAft>
+                <a:spcPts val="0"/>
+              </a:spcAft>
+              <a:buNone/>
+            </a:pPr>
+            <a:r>
+              <a:rPr lang="en-US" sz="1800"/>
+              <a:t>Брагин Роман </a:t>
+            </a:r>
+            <a:endParaRPr sz="1800"/>
+          </a:p>
+          <a:p>
+            <a:pPr indent="0" lvl="0" marL="12700" marR="5080" rtl="0" algn="r">
+              <a:lnSpc>
+                <a:spcPct val="118200"/>
+              </a:lnSpc>
+              <a:spcBef>
+                <a:spcPts val="0"/>
+              </a:spcBef>
+              <a:spcAft>
+                <a:spcPts val="0"/>
+              </a:spcAft>
+              <a:buNone/>
+            </a:pPr>
+            <a:r>
+              <a:rPr lang="en-US" sz="1800"/>
+              <a:t>Рахимов Ильнар</a:t>
+            </a:r>
+            <a:endParaRPr sz="1800"/>
+          </a:p>
+          <a:p>
+            <a:pPr indent="0" lvl="0" marL="12700" marR="5080" rtl="0" algn="r">
+              <a:lnSpc>
+                <a:spcPct val="118200"/>
+              </a:lnSpc>
+              <a:spcBef>
+                <a:spcPts val="0"/>
+              </a:spcBef>
+              <a:spcAft>
+                <a:spcPts val="0"/>
+              </a:spcAft>
+              <a:buNone/>
+            </a:pPr>
+            <a:r>
+              <a:rPr lang="en-US" sz="1800"/>
+              <a:t>Малышев Никита</a:t>
+            </a:r>
+            <a:endParaRPr sz="1800"/>
+          </a:p>
+        </p:txBody>
+      </p:sp>
     </p:spTree>
   </p:cSld>
   <p:clrMapOvr>
@@ -6609,11 +6994,941 @@
 </file>
 
 <file path=ppt/slides/slide2.xml><?xml version="1.0" encoding="utf-8"?>
+<p:sld xmlns:a="http://schemas.openxmlformats.org/drawingml/2006/main" xmlns:r="http://schemas.openxmlformats.org/officeDocument/2006/relationships" xmlns:mc="http://schemas.openxmlformats.org/markup-compatibility/2006" xmlns:mv="urn:schemas-microsoft-com:mac:vml" xmlns:p="http://schemas.openxmlformats.org/presentationml/2006/main" xmlns:c="http://schemas.openxmlformats.org/drawingml/2006/chart" xmlns:dgm="http://schemas.openxmlformats.org/drawingml/2006/diagram" xmlns:o="urn:schemas-microsoft-com:office:office" xmlns:v="urn:schemas-microsoft-com:vml" xmlns:pvml="urn:schemas-microsoft-com:office:powerpoint" xmlns:com="http://schemas.openxmlformats.org/drawingml/2006/compatibility" xmlns:p14="http://schemas.microsoft.com/office/powerpoint/2010/main" xmlns:p15="http://schemas.microsoft.com/office/powerpoint/2012/main" xmlns:ahyp="http://schemas.microsoft.com/office/drawing/2018/hyperlinkcolor" showMasterSp="0">
+  <p:cSld>
+    <p:spTree>
+      <p:nvGrpSpPr>
+        <p:cNvPr id="53" name="Shape 53"/>
+        <p:cNvGrpSpPr/>
+        <p:nvPr/>
+      </p:nvGrpSpPr>
+      <p:grpSpPr>
+        <a:xfrm>
+          <a:off x="0" y="0"/>
+          <a:ext cx="0" cy="0"/>
+          <a:chOff x="0" y="0"/>
+          <a:chExt cx="0" cy="0"/>
+        </a:xfrm>
+      </p:grpSpPr>
+      <p:pic>
+        <p:nvPicPr>
+          <p:cNvPr id="54" name="Google Shape;54;p8"/>
+          <p:cNvPicPr preferRelativeResize="0"/>
+          <p:nvPr/>
+        </p:nvPicPr>
+        <p:blipFill rotWithShape="1">
+          <a:blip r:embed="rId3">
+            <a:alphaModFix/>
+          </a:blip>
+          <a:srcRect b="0" l="0" r="0" t="0"/>
+          <a:stretch/>
+        </p:blipFill>
+        <p:spPr>
+          <a:xfrm>
+            <a:off x="122724" y="6169624"/>
+            <a:ext cx="190500" cy="190499"/>
+          </a:xfrm>
+          <a:prstGeom prst="rect">
+            <a:avLst/>
+          </a:prstGeom>
+          <a:noFill/>
+          <a:ln>
+            <a:noFill/>
+          </a:ln>
+        </p:spPr>
+      </p:pic>
+      <p:sp>
+        <p:nvSpPr>
+          <p:cNvPr id="55" name="Google Shape;55;p8"/>
+          <p:cNvSpPr/>
+          <p:nvPr/>
+        </p:nvSpPr>
+        <p:spPr>
+          <a:xfrm>
+            <a:off x="4010024" y="969719"/>
+            <a:ext cx="2495550" cy="180975"/>
+          </a:xfrm>
+          <a:custGeom>
+            <a:rect b="b" l="l" r="r" t="t"/>
+            <a:pathLst>
+              <a:path extrusionOk="0" h="180975" w="2495550">
+                <a:moveTo>
+                  <a:pt x="2473242" y="180974"/>
+                </a:moveTo>
+                <a:lnTo>
+                  <a:pt x="22307" y="180974"/>
+                </a:lnTo>
+                <a:lnTo>
+                  <a:pt x="19026" y="180322"/>
+                </a:lnTo>
+                <a:lnTo>
+                  <a:pt x="0" y="158667"/>
+                </a:lnTo>
+                <a:lnTo>
+                  <a:pt x="0" y="155257"/>
+                </a:lnTo>
+                <a:lnTo>
+                  <a:pt x="0" y="22307"/>
+                </a:lnTo>
+                <a:lnTo>
+                  <a:pt x="22307" y="0"/>
+                </a:lnTo>
+                <a:lnTo>
+                  <a:pt x="2473242" y="0"/>
+                </a:lnTo>
+                <a:lnTo>
+                  <a:pt x="2495550" y="22307"/>
+                </a:lnTo>
+                <a:lnTo>
+                  <a:pt x="2495550" y="158667"/>
+                </a:lnTo>
+                <a:lnTo>
+                  <a:pt x="2476523" y="180322"/>
+                </a:lnTo>
+                <a:lnTo>
+                  <a:pt x="2473242" y="180974"/>
+                </a:lnTo>
+                <a:close/>
+              </a:path>
+            </a:pathLst>
+          </a:custGeom>
+          <a:solidFill>
+            <a:srgbClr val="FFEDC1"/>
+          </a:solidFill>
+          <a:ln>
+            <a:noFill/>
+          </a:ln>
+        </p:spPr>
+        <p:txBody>
+          <a:bodyPr anchorCtr="0" anchor="t" bIns="0" lIns="0" spcFirstLastPara="1" rIns="0" wrap="square" tIns="0">
+            <a:noAutofit/>
+          </a:bodyPr>
+          <a:lstStyle/>
+          <a:p>
+            <a:pPr indent="0" lvl="0" marL="0" marR="0" rtl="0" algn="l">
+              <a:spcBef>
+                <a:spcPts val="0"/>
+              </a:spcBef>
+              <a:spcAft>
+                <a:spcPts val="0"/>
+              </a:spcAft>
+              <a:buNone/>
+            </a:pPr>
+            <a:r>
+              <a:t/>
+            </a:r>
+            <a:endParaRPr sz="1800"/>
+          </a:p>
+        </p:txBody>
+      </p:sp>
+      <p:sp>
+        <p:nvSpPr>
+          <p:cNvPr id="56" name="Google Shape;56;p8"/>
+          <p:cNvSpPr txBox="1"/>
+          <p:nvPr>
+            <p:ph idx="11" type="ftr"/>
+          </p:nvPr>
+        </p:nvSpPr>
+        <p:spPr>
+          <a:xfrm>
+            <a:off x="376725" y="6207975"/>
+            <a:ext cx="737100" cy="112200"/>
+          </a:xfrm>
+          <a:prstGeom prst="rect">
+            <a:avLst/>
+          </a:prstGeom>
+          <a:noFill/>
+          <a:ln>
+            <a:noFill/>
+          </a:ln>
+        </p:spPr>
+        <p:txBody>
+          <a:bodyPr anchorCtr="0" anchor="t" bIns="0" lIns="0" spcFirstLastPara="1" rIns="0" wrap="square" tIns="12050">
+            <a:spAutoFit/>
+          </a:bodyPr>
+          <a:lstStyle/>
+          <a:p>
+            <a:pPr indent="0" lvl="0" marL="12700" rtl="0" algn="l">
+              <a:lnSpc>
+                <a:spcPct val="126666"/>
+              </a:lnSpc>
+              <a:spcBef>
+                <a:spcPts val="0"/>
+              </a:spcBef>
+              <a:spcAft>
+                <a:spcPts val="0"/>
+              </a:spcAft>
+              <a:buNone/>
+            </a:pPr>
+            <a:r>
+              <a:rPr lang="en-US"/>
+              <a:t>Брагин Роман</a:t>
+            </a:r>
+            <a:endParaRPr/>
+          </a:p>
+        </p:txBody>
+      </p:sp>
+      <p:sp>
+        <p:nvSpPr>
+          <p:cNvPr id="57" name="Google Shape;57;p8"/>
+          <p:cNvSpPr txBox="1"/>
+          <p:nvPr>
+            <p:ph idx="12" type="sldNum"/>
+          </p:nvPr>
+        </p:nvSpPr>
+        <p:spPr>
+          <a:xfrm>
+            <a:off x="10249644" y="5627433"/>
+            <a:ext cx="142200" cy="103800"/>
+          </a:xfrm>
+          <a:prstGeom prst="rect">
+            <a:avLst/>
+          </a:prstGeom>
+          <a:noFill/>
+          <a:ln>
+            <a:noFill/>
+          </a:ln>
+        </p:spPr>
+        <p:txBody>
+          <a:bodyPr anchorCtr="0" anchor="t" bIns="0" lIns="0" spcFirstLastPara="1" rIns="0" wrap="square" tIns="11425">
+            <a:spAutoFit/>
+          </a:bodyPr>
+          <a:lstStyle/>
+          <a:p>
+            <a:pPr indent="0" lvl="0" marL="38100" rtl="0" algn="l">
+              <a:lnSpc>
+                <a:spcPct val="118333"/>
+              </a:lnSpc>
+              <a:spcBef>
+                <a:spcPts val="0"/>
+              </a:spcBef>
+              <a:spcAft>
+                <a:spcPts val="0"/>
+              </a:spcAft>
+              <a:buNone/>
+            </a:pPr>
+            <a:fld id="{00000000-1234-1234-1234-123412341234}" type="slidenum">
+              <a:rPr lang="en-US"/>
+              <a:t>‹#›</a:t>
+            </a:fld>
+            <a:endParaRPr/>
+          </a:p>
+        </p:txBody>
+      </p:sp>
+      <p:sp>
+        <p:nvSpPr>
+          <p:cNvPr id="58" name="Google Shape;58;p8"/>
+          <p:cNvSpPr txBox="1"/>
+          <p:nvPr>
+            <p:ph type="title"/>
+          </p:nvPr>
+        </p:nvSpPr>
+        <p:spPr>
+          <a:xfrm>
+            <a:off x="2189339" y="362765"/>
+            <a:ext cx="6058500" cy="508500"/>
+          </a:xfrm>
+          <a:prstGeom prst="rect">
+            <a:avLst/>
+          </a:prstGeom>
+          <a:noFill/>
+          <a:ln>
+            <a:noFill/>
+          </a:ln>
+        </p:spPr>
+        <p:txBody>
+          <a:bodyPr anchorCtr="0" anchor="t" bIns="0" lIns="0" spcFirstLastPara="1" rIns="0" wrap="square" tIns="15875">
+            <a:spAutoFit/>
+          </a:bodyPr>
+          <a:lstStyle/>
+          <a:p>
+            <a:pPr indent="0" lvl="0" marL="12700" marR="5080" rtl="0" algn="ctr">
+              <a:lnSpc>
+                <a:spcPct val="118200"/>
+              </a:lnSpc>
+              <a:spcBef>
+                <a:spcPts val="0"/>
+              </a:spcBef>
+              <a:spcAft>
+                <a:spcPts val="0"/>
+              </a:spcAft>
+              <a:buNone/>
+            </a:pPr>
+            <a:r>
+              <a:rPr lang="en-US" sz="3200"/>
+              <a:t>Доказательство 1 свойства</a:t>
+            </a:r>
+            <a:endParaRPr sz="3200">
+              <a:latin typeface="Calibri"/>
+              <a:ea typeface="Calibri"/>
+              <a:cs typeface="Calibri"/>
+              <a:sym typeface="Calibri"/>
+            </a:endParaRPr>
+          </a:p>
+        </p:txBody>
+      </p:sp>
+      <p:pic>
+        <p:nvPicPr>
+          <p:cNvPr id="59" name="Google Shape;59;p8"/>
+          <p:cNvPicPr preferRelativeResize="0"/>
+          <p:nvPr/>
+        </p:nvPicPr>
+        <p:blipFill>
+          <a:blip r:embed="rId4">
+            <a:alphaModFix/>
+          </a:blip>
+          <a:stretch>
+            <a:fillRect/>
+          </a:stretch>
+        </p:blipFill>
+        <p:spPr>
+          <a:xfrm>
+            <a:off x="1815875" y="1249144"/>
+            <a:ext cx="6431974" cy="5110405"/>
+          </a:xfrm>
+          <a:prstGeom prst="rect">
+            <a:avLst/>
+          </a:prstGeom>
+          <a:noFill/>
+          <a:ln>
+            <a:noFill/>
+          </a:ln>
+        </p:spPr>
+      </p:pic>
+    </p:spTree>
+  </p:cSld>
+  <p:clrMapOvr>
+    <a:masterClrMapping/>
+  </p:clrMapOvr>
+</p:sld>
+</file>
+
+<file path=ppt/slides/slide3.xml><?xml version="1.0" encoding="utf-8"?>
+<p:sld xmlns:a="http://schemas.openxmlformats.org/drawingml/2006/main" xmlns:r="http://schemas.openxmlformats.org/officeDocument/2006/relationships" xmlns:mc="http://schemas.openxmlformats.org/markup-compatibility/2006" xmlns:mv="urn:schemas-microsoft-com:mac:vml" xmlns:p="http://schemas.openxmlformats.org/presentationml/2006/main" xmlns:c="http://schemas.openxmlformats.org/drawingml/2006/chart" xmlns:dgm="http://schemas.openxmlformats.org/drawingml/2006/diagram" xmlns:o="urn:schemas-microsoft-com:office:office" xmlns:v="urn:schemas-microsoft-com:vml" xmlns:pvml="urn:schemas-microsoft-com:office:powerpoint" xmlns:com="http://schemas.openxmlformats.org/drawingml/2006/compatibility" xmlns:p14="http://schemas.microsoft.com/office/powerpoint/2010/main" xmlns:p15="http://schemas.microsoft.com/office/powerpoint/2012/main" xmlns:ahyp="http://schemas.microsoft.com/office/drawing/2018/hyperlinkcolor" showMasterSp="0">
+  <p:cSld>
+    <p:spTree>
+      <p:nvGrpSpPr>
+        <p:cNvPr id="63" name="Shape 63"/>
+        <p:cNvGrpSpPr/>
+        <p:nvPr/>
+      </p:nvGrpSpPr>
+      <p:grpSpPr>
+        <a:xfrm>
+          <a:off x="0" y="0"/>
+          <a:ext cx="0" cy="0"/>
+          <a:chOff x="0" y="0"/>
+          <a:chExt cx="0" cy="0"/>
+        </a:xfrm>
+      </p:grpSpPr>
+      <p:pic>
+        <p:nvPicPr>
+          <p:cNvPr id="64" name="Google Shape;64;p9"/>
+          <p:cNvPicPr preferRelativeResize="0"/>
+          <p:nvPr/>
+        </p:nvPicPr>
+        <p:blipFill rotWithShape="1">
+          <a:blip r:embed="rId3">
+            <a:alphaModFix/>
+          </a:blip>
+          <a:srcRect b="0" l="0" r="0" t="0"/>
+          <a:stretch/>
+        </p:blipFill>
+        <p:spPr>
+          <a:xfrm>
+            <a:off x="122724" y="6169624"/>
+            <a:ext cx="190500" cy="190499"/>
+          </a:xfrm>
+          <a:prstGeom prst="rect">
+            <a:avLst/>
+          </a:prstGeom>
+          <a:noFill/>
+          <a:ln>
+            <a:noFill/>
+          </a:ln>
+        </p:spPr>
+      </p:pic>
+      <p:sp>
+        <p:nvSpPr>
+          <p:cNvPr id="65" name="Google Shape;65;p9"/>
+          <p:cNvSpPr/>
+          <p:nvPr/>
+        </p:nvSpPr>
+        <p:spPr>
+          <a:xfrm>
+            <a:off x="4010024" y="969719"/>
+            <a:ext cx="2495550" cy="180975"/>
+          </a:xfrm>
+          <a:custGeom>
+            <a:rect b="b" l="l" r="r" t="t"/>
+            <a:pathLst>
+              <a:path extrusionOk="0" h="180975" w="2495550">
+                <a:moveTo>
+                  <a:pt x="2473242" y="180974"/>
+                </a:moveTo>
+                <a:lnTo>
+                  <a:pt x="22307" y="180974"/>
+                </a:lnTo>
+                <a:lnTo>
+                  <a:pt x="19026" y="180322"/>
+                </a:lnTo>
+                <a:lnTo>
+                  <a:pt x="0" y="158667"/>
+                </a:lnTo>
+                <a:lnTo>
+                  <a:pt x="0" y="155257"/>
+                </a:lnTo>
+                <a:lnTo>
+                  <a:pt x="0" y="22307"/>
+                </a:lnTo>
+                <a:lnTo>
+                  <a:pt x="22307" y="0"/>
+                </a:lnTo>
+                <a:lnTo>
+                  <a:pt x="2473242" y="0"/>
+                </a:lnTo>
+                <a:lnTo>
+                  <a:pt x="2495550" y="22307"/>
+                </a:lnTo>
+                <a:lnTo>
+                  <a:pt x="2495550" y="158667"/>
+                </a:lnTo>
+                <a:lnTo>
+                  <a:pt x="2476523" y="180322"/>
+                </a:lnTo>
+                <a:lnTo>
+                  <a:pt x="2473242" y="180974"/>
+                </a:lnTo>
+                <a:close/>
+              </a:path>
+            </a:pathLst>
+          </a:custGeom>
+          <a:solidFill>
+            <a:srgbClr val="FFEDC1"/>
+          </a:solidFill>
+          <a:ln>
+            <a:noFill/>
+          </a:ln>
+        </p:spPr>
+        <p:txBody>
+          <a:bodyPr anchorCtr="0" anchor="t" bIns="0" lIns="0" spcFirstLastPara="1" rIns="0" wrap="square" tIns="0">
+            <a:noAutofit/>
+          </a:bodyPr>
+          <a:lstStyle/>
+          <a:p>
+            <a:pPr indent="0" lvl="0" marL="0" marR="0" rtl="0" algn="l">
+              <a:spcBef>
+                <a:spcPts val="0"/>
+              </a:spcBef>
+              <a:spcAft>
+                <a:spcPts val="0"/>
+              </a:spcAft>
+              <a:buNone/>
+            </a:pPr>
+            <a:r>
+              <a:t/>
+            </a:r>
+            <a:endParaRPr sz="1800"/>
+          </a:p>
+        </p:txBody>
+      </p:sp>
+      <p:sp>
+        <p:nvSpPr>
+          <p:cNvPr id="66" name="Google Shape;66;p9"/>
+          <p:cNvSpPr txBox="1"/>
+          <p:nvPr>
+            <p:ph idx="11" type="ftr"/>
+          </p:nvPr>
+        </p:nvSpPr>
+        <p:spPr>
+          <a:xfrm>
+            <a:off x="376725" y="6207975"/>
+            <a:ext cx="737100" cy="112200"/>
+          </a:xfrm>
+          <a:prstGeom prst="rect">
+            <a:avLst/>
+          </a:prstGeom>
+          <a:noFill/>
+          <a:ln>
+            <a:noFill/>
+          </a:ln>
+        </p:spPr>
+        <p:txBody>
+          <a:bodyPr anchorCtr="0" anchor="t" bIns="0" lIns="0" spcFirstLastPara="1" rIns="0" wrap="square" tIns="12050">
+            <a:spAutoFit/>
+          </a:bodyPr>
+          <a:lstStyle/>
+          <a:p>
+            <a:pPr indent="0" lvl="0" marL="12700" rtl="0" algn="l">
+              <a:lnSpc>
+                <a:spcPct val="126666"/>
+              </a:lnSpc>
+              <a:spcBef>
+                <a:spcPts val="0"/>
+              </a:spcBef>
+              <a:spcAft>
+                <a:spcPts val="0"/>
+              </a:spcAft>
+              <a:buNone/>
+            </a:pPr>
+            <a:r>
+              <a:rPr lang="en-US"/>
+              <a:t>Брагин Роман</a:t>
+            </a:r>
+            <a:endParaRPr/>
+          </a:p>
+        </p:txBody>
+      </p:sp>
+      <p:sp>
+        <p:nvSpPr>
+          <p:cNvPr id="67" name="Google Shape;67;p9"/>
+          <p:cNvSpPr txBox="1"/>
+          <p:nvPr>
+            <p:ph idx="12" type="sldNum"/>
+          </p:nvPr>
+        </p:nvSpPr>
+        <p:spPr>
+          <a:xfrm>
+            <a:off x="10249644" y="5627433"/>
+            <a:ext cx="142200" cy="103800"/>
+          </a:xfrm>
+          <a:prstGeom prst="rect">
+            <a:avLst/>
+          </a:prstGeom>
+          <a:noFill/>
+          <a:ln>
+            <a:noFill/>
+          </a:ln>
+        </p:spPr>
+        <p:txBody>
+          <a:bodyPr anchorCtr="0" anchor="t" bIns="0" lIns="0" spcFirstLastPara="1" rIns="0" wrap="square" tIns="11425">
+            <a:spAutoFit/>
+          </a:bodyPr>
+          <a:lstStyle/>
+          <a:p>
+            <a:pPr indent="0" lvl="0" marL="38100" rtl="0" algn="l">
+              <a:lnSpc>
+                <a:spcPct val="118333"/>
+              </a:lnSpc>
+              <a:spcBef>
+                <a:spcPts val="0"/>
+              </a:spcBef>
+              <a:spcAft>
+                <a:spcPts val="0"/>
+              </a:spcAft>
+              <a:buNone/>
+            </a:pPr>
+            <a:fld id="{00000000-1234-1234-1234-123412341234}" type="slidenum">
+              <a:rPr lang="en-US"/>
+              <a:t>‹#›</a:t>
+            </a:fld>
+            <a:endParaRPr/>
+          </a:p>
+        </p:txBody>
+      </p:sp>
+      <p:sp>
+        <p:nvSpPr>
+          <p:cNvPr id="68" name="Google Shape;68;p9"/>
+          <p:cNvSpPr txBox="1"/>
+          <p:nvPr>
+            <p:ph type="title"/>
+          </p:nvPr>
+        </p:nvSpPr>
+        <p:spPr>
+          <a:xfrm>
+            <a:off x="2189339" y="362765"/>
+            <a:ext cx="6058500" cy="508500"/>
+          </a:xfrm>
+          <a:prstGeom prst="rect">
+            <a:avLst/>
+          </a:prstGeom>
+          <a:noFill/>
+          <a:ln>
+            <a:noFill/>
+          </a:ln>
+        </p:spPr>
+        <p:txBody>
+          <a:bodyPr anchorCtr="0" anchor="t" bIns="0" lIns="0" spcFirstLastPara="1" rIns="0" wrap="square" tIns="15875">
+            <a:spAutoFit/>
+          </a:bodyPr>
+          <a:lstStyle/>
+          <a:p>
+            <a:pPr indent="0" lvl="0" marL="12700" marR="5080" rtl="0" algn="ctr">
+              <a:lnSpc>
+                <a:spcPct val="118200"/>
+              </a:lnSpc>
+              <a:spcBef>
+                <a:spcPts val="0"/>
+              </a:spcBef>
+              <a:spcAft>
+                <a:spcPts val="0"/>
+              </a:spcAft>
+              <a:buNone/>
+            </a:pPr>
+            <a:r>
+              <a:rPr lang="en-US" sz="3200"/>
+              <a:t>Доказательство 2 свойства</a:t>
+            </a:r>
+            <a:endParaRPr sz="3200">
+              <a:latin typeface="Calibri"/>
+              <a:ea typeface="Calibri"/>
+              <a:cs typeface="Calibri"/>
+              <a:sym typeface="Calibri"/>
+            </a:endParaRPr>
+          </a:p>
+        </p:txBody>
+      </p:sp>
+      <p:pic>
+        <p:nvPicPr>
+          <p:cNvPr id="69" name="Google Shape;69;p9"/>
+          <p:cNvPicPr preferRelativeResize="0"/>
+          <p:nvPr/>
+        </p:nvPicPr>
+        <p:blipFill>
+          <a:blip r:embed="rId4">
+            <a:alphaModFix/>
+          </a:blip>
+          <a:stretch>
+            <a:fillRect/>
+          </a:stretch>
+        </p:blipFill>
+        <p:spPr>
+          <a:xfrm>
+            <a:off x="1491625" y="1249144"/>
+            <a:ext cx="7133392" cy="5110407"/>
+          </a:xfrm>
+          <a:prstGeom prst="rect">
+            <a:avLst/>
+          </a:prstGeom>
+          <a:noFill/>
+          <a:ln>
+            <a:noFill/>
+          </a:ln>
+        </p:spPr>
+      </p:pic>
+    </p:spTree>
+  </p:cSld>
+  <p:clrMapOvr>
+    <a:masterClrMapping/>
+  </p:clrMapOvr>
+</p:sld>
+</file>
+
+<file path=ppt/slides/slide4.xml><?xml version="1.0" encoding="utf-8"?>
+<p:sld xmlns:a="http://schemas.openxmlformats.org/drawingml/2006/main" xmlns:r="http://schemas.openxmlformats.org/officeDocument/2006/relationships" xmlns:mc="http://schemas.openxmlformats.org/markup-compatibility/2006" xmlns:mv="urn:schemas-microsoft-com:mac:vml" xmlns:p="http://schemas.openxmlformats.org/presentationml/2006/main" xmlns:c="http://schemas.openxmlformats.org/drawingml/2006/chart" xmlns:dgm="http://schemas.openxmlformats.org/drawingml/2006/diagram" xmlns:o="urn:schemas-microsoft-com:office:office" xmlns:v="urn:schemas-microsoft-com:vml" xmlns:pvml="urn:schemas-microsoft-com:office:powerpoint" xmlns:com="http://schemas.openxmlformats.org/drawingml/2006/compatibility" xmlns:p14="http://schemas.microsoft.com/office/powerpoint/2010/main" xmlns:p15="http://schemas.microsoft.com/office/powerpoint/2012/main" xmlns:ahyp="http://schemas.microsoft.com/office/drawing/2018/hyperlinkcolor" showMasterSp="0">
+  <p:cSld>
+    <p:spTree>
+      <p:nvGrpSpPr>
+        <p:cNvPr id="73" name="Shape 73"/>
+        <p:cNvGrpSpPr/>
+        <p:nvPr/>
+      </p:nvGrpSpPr>
+      <p:grpSpPr>
+        <a:xfrm>
+          <a:off x="0" y="0"/>
+          <a:ext cx="0" cy="0"/>
+          <a:chOff x="0" y="0"/>
+          <a:chExt cx="0" cy="0"/>
+        </a:xfrm>
+      </p:grpSpPr>
+      <p:pic>
+        <p:nvPicPr>
+          <p:cNvPr id="74" name="Google Shape;74;p10"/>
+          <p:cNvPicPr preferRelativeResize="0"/>
+          <p:nvPr/>
+        </p:nvPicPr>
+        <p:blipFill rotWithShape="1">
+          <a:blip r:embed="rId3">
+            <a:alphaModFix/>
+          </a:blip>
+          <a:srcRect b="0" l="0" r="0" t="0"/>
+          <a:stretch/>
+        </p:blipFill>
+        <p:spPr>
+          <a:xfrm>
+            <a:off x="122724" y="6169624"/>
+            <a:ext cx="190500" cy="190499"/>
+          </a:xfrm>
+          <a:prstGeom prst="rect">
+            <a:avLst/>
+          </a:prstGeom>
+          <a:noFill/>
+          <a:ln>
+            <a:noFill/>
+          </a:ln>
+        </p:spPr>
+      </p:pic>
+      <p:sp>
+        <p:nvSpPr>
+          <p:cNvPr id="75" name="Google Shape;75;p10"/>
+          <p:cNvSpPr/>
+          <p:nvPr/>
+        </p:nvSpPr>
+        <p:spPr>
+          <a:xfrm>
+            <a:off x="4010024" y="969719"/>
+            <a:ext cx="2495550" cy="180975"/>
+          </a:xfrm>
+          <a:custGeom>
+            <a:rect b="b" l="l" r="r" t="t"/>
+            <a:pathLst>
+              <a:path extrusionOk="0" h="180975" w="2495550">
+                <a:moveTo>
+                  <a:pt x="2473242" y="180974"/>
+                </a:moveTo>
+                <a:lnTo>
+                  <a:pt x="22307" y="180974"/>
+                </a:lnTo>
+                <a:lnTo>
+                  <a:pt x="19026" y="180322"/>
+                </a:lnTo>
+                <a:lnTo>
+                  <a:pt x="0" y="158667"/>
+                </a:lnTo>
+                <a:lnTo>
+                  <a:pt x="0" y="155257"/>
+                </a:lnTo>
+                <a:lnTo>
+                  <a:pt x="0" y="22307"/>
+                </a:lnTo>
+                <a:lnTo>
+                  <a:pt x="22307" y="0"/>
+                </a:lnTo>
+                <a:lnTo>
+                  <a:pt x="2473242" y="0"/>
+                </a:lnTo>
+                <a:lnTo>
+                  <a:pt x="2495550" y="22307"/>
+                </a:lnTo>
+                <a:lnTo>
+                  <a:pt x="2495550" y="158667"/>
+                </a:lnTo>
+                <a:lnTo>
+                  <a:pt x="2476523" y="180322"/>
+                </a:lnTo>
+                <a:lnTo>
+                  <a:pt x="2473242" y="180974"/>
+                </a:lnTo>
+                <a:close/>
+              </a:path>
+            </a:pathLst>
+          </a:custGeom>
+          <a:solidFill>
+            <a:srgbClr val="FFEDC1"/>
+          </a:solidFill>
+          <a:ln>
+            <a:noFill/>
+          </a:ln>
+        </p:spPr>
+        <p:txBody>
+          <a:bodyPr anchorCtr="0" anchor="t" bIns="0" lIns="0" spcFirstLastPara="1" rIns="0" wrap="square" tIns="0">
+            <a:noAutofit/>
+          </a:bodyPr>
+          <a:lstStyle/>
+          <a:p>
+            <a:pPr indent="0" lvl="0" marL="0" marR="0" rtl="0" algn="l">
+              <a:spcBef>
+                <a:spcPts val="0"/>
+              </a:spcBef>
+              <a:spcAft>
+                <a:spcPts val="0"/>
+              </a:spcAft>
+              <a:buNone/>
+            </a:pPr>
+            <a:r>
+              <a:t/>
+            </a:r>
+            <a:endParaRPr sz="1800"/>
+          </a:p>
+        </p:txBody>
+      </p:sp>
+      <p:sp>
+        <p:nvSpPr>
+          <p:cNvPr id="76" name="Google Shape;76;p10"/>
+          <p:cNvSpPr txBox="1"/>
+          <p:nvPr>
+            <p:ph idx="11" type="ftr"/>
+          </p:nvPr>
+        </p:nvSpPr>
+        <p:spPr>
+          <a:xfrm>
+            <a:off x="376725" y="6207975"/>
+            <a:ext cx="737100" cy="112200"/>
+          </a:xfrm>
+          <a:prstGeom prst="rect">
+            <a:avLst/>
+          </a:prstGeom>
+          <a:noFill/>
+          <a:ln>
+            <a:noFill/>
+          </a:ln>
+        </p:spPr>
+        <p:txBody>
+          <a:bodyPr anchorCtr="0" anchor="t" bIns="0" lIns="0" spcFirstLastPara="1" rIns="0" wrap="square" tIns="12050">
+            <a:spAutoFit/>
+          </a:bodyPr>
+          <a:lstStyle/>
+          <a:p>
+            <a:pPr indent="0" lvl="0" marL="12700" rtl="0" algn="l">
+              <a:lnSpc>
+                <a:spcPct val="126666"/>
+              </a:lnSpc>
+              <a:spcBef>
+                <a:spcPts val="0"/>
+              </a:spcBef>
+              <a:spcAft>
+                <a:spcPts val="0"/>
+              </a:spcAft>
+              <a:buNone/>
+            </a:pPr>
+            <a:r>
+              <a:rPr lang="en-US"/>
+              <a:t>Брагин Роман</a:t>
+            </a:r>
+            <a:endParaRPr/>
+          </a:p>
+        </p:txBody>
+      </p:sp>
+      <p:sp>
+        <p:nvSpPr>
+          <p:cNvPr id="77" name="Google Shape;77;p10"/>
+          <p:cNvSpPr txBox="1"/>
+          <p:nvPr>
+            <p:ph idx="12" type="sldNum"/>
+          </p:nvPr>
+        </p:nvSpPr>
+        <p:spPr>
+          <a:xfrm>
+            <a:off x="10249644" y="5627433"/>
+            <a:ext cx="142200" cy="103800"/>
+          </a:xfrm>
+          <a:prstGeom prst="rect">
+            <a:avLst/>
+          </a:prstGeom>
+          <a:noFill/>
+          <a:ln>
+            <a:noFill/>
+          </a:ln>
+        </p:spPr>
+        <p:txBody>
+          <a:bodyPr anchorCtr="0" anchor="t" bIns="0" lIns="0" spcFirstLastPara="1" rIns="0" wrap="square" tIns="11425">
+            <a:spAutoFit/>
+          </a:bodyPr>
+          <a:lstStyle/>
+          <a:p>
+            <a:pPr indent="0" lvl="0" marL="38100" rtl="0" algn="l">
+              <a:lnSpc>
+                <a:spcPct val="118333"/>
+              </a:lnSpc>
+              <a:spcBef>
+                <a:spcPts val="0"/>
+              </a:spcBef>
+              <a:spcAft>
+                <a:spcPts val="0"/>
+              </a:spcAft>
+              <a:buNone/>
+            </a:pPr>
+            <a:fld id="{00000000-1234-1234-1234-123412341234}" type="slidenum">
+              <a:rPr lang="en-US"/>
+              <a:t>‹#›</a:t>
+            </a:fld>
+            <a:endParaRPr/>
+          </a:p>
+        </p:txBody>
+      </p:sp>
+      <p:sp>
+        <p:nvSpPr>
+          <p:cNvPr id="78" name="Google Shape;78;p10"/>
+          <p:cNvSpPr txBox="1"/>
+          <p:nvPr>
+            <p:ph type="title"/>
+          </p:nvPr>
+        </p:nvSpPr>
+        <p:spPr>
+          <a:xfrm>
+            <a:off x="2189339" y="362765"/>
+            <a:ext cx="6058500" cy="508500"/>
+          </a:xfrm>
+          <a:prstGeom prst="rect">
+            <a:avLst/>
+          </a:prstGeom>
+          <a:noFill/>
+          <a:ln>
+            <a:noFill/>
+          </a:ln>
+        </p:spPr>
+        <p:txBody>
+          <a:bodyPr anchorCtr="0" anchor="t" bIns="0" lIns="0" spcFirstLastPara="1" rIns="0" wrap="square" tIns="15875">
+            <a:spAutoFit/>
+          </a:bodyPr>
+          <a:lstStyle/>
+          <a:p>
+            <a:pPr indent="0" lvl="0" marL="12700" marR="5080" rtl="0" algn="ctr">
+              <a:lnSpc>
+                <a:spcPct val="118200"/>
+              </a:lnSpc>
+              <a:spcBef>
+                <a:spcPts val="0"/>
+              </a:spcBef>
+              <a:spcAft>
+                <a:spcPts val="0"/>
+              </a:spcAft>
+              <a:buNone/>
+            </a:pPr>
+            <a:r>
+              <a:rPr lang="en-US" sz="3200"/>
+              <a:t>Доказательство 2 свойства</a:t>
+            </a:r>
+            <a:endParaRPr sz="3200">
+              <a:latin typeface="Calibri"/>
+              <a:ea typeface="Calibri"/>
+              <a:cs typeface="Calibri"/>
+              <a:sym typeface="Calibri"/>
+            </a:endParaRPr>
+          </a:p>
+        </p:txBody>
+      </p:sp>
+      <p:pic>
+        <p:nvPicPr>
+          <p:cNvPr id="79" name="Google Shape;79;p10"/>
+          <p:cNvPicPr preferRelativeResize="0"/>
+          <p:nvPr/>
+        </p:nvPicPr>
+        <p:blipFill>
+          <a:blip r:embed="rId4">
+            <a:alphaModFix/>
+          </a:blip>
+          <a:stretch>
+            <a:fillRect/>
+          </a:stretch>
+        </p:blipFill>
+        <p:spPr>
+          <a:xfrm>
+            <a:off x="152400" y="1303094"/>
+            <a:ext cx="9944845" cy="4677185"/>
+          </a:xfrm>
+          <a:prstGeom prst="rect">
+            <a:avLst/>
+          </a:prstGeom>
+          <a:noFill/>
+          <a:ln>
+            <a:noFill/>
+          </a:ln>
+        </p:spPr>
+      </p:pic>
+    </p:spTree>
+  </p:cSld>
+  <p:clrMapOvr>
+    <a:masterClrMapping/>
+  </p:clrMapOvr>
+</p:sld>
+</file>
+
+<file path=ppt/slides/slide5.xml><?xml version="1.0" encoding="utf-8"?>
 <p:sld xmlns:a="http://schemas.openxmlformats.org/drawingml/2006/main" xmlns:r="http://schemas.openxmlformats.org/officeDocument/2006/relationships" xmlns:mc="http://schemas.openxmlformats.org/markup-compatibility/2006" xmlns:mv="urn:schemas-microsoft-com:mac:vml" xmlns:p="http://schemas.openxmlformats.org/presentationml/2006/main" xmlns:c="http://schemas.openxmlformats.org/drawingml/2006/chart" xmlns:dgm="http://schemas.openxmlformats.org/drawingml/2006/diagram" xmlns:o="urn:schemas-microsoft-com:office:office" xmlns:v="urn:schemas-microsoft-com:vml" xmlns:pvml="urn:schemas-microsoft-com:office:powerpoint" xmlns:com="http://schemas.openxmlformats.org/drawingml/2006/compatibility" xmlns:p14="http://schemas.microsoft.com/office/powerpoint/2010/main" xmlns:p15="http://schemas.microsoft.com/office/powerpoint/2012/main" xmlns:ahyp="http://schemas.microsoft.com/office/drawing/2018/hyperlinkcolor">
   <p:cSld>
     <p:spTree>
       <p:nvGrpSpPr>
-        <p:cNvPr id="52" name="Shape 52"/>
+        <p:cNvPr id="83" name="Shape 83"/>
         <p:cNvGrpSpPr/>
         <p:nvPr/>
       </p:nvGrpSpPr>
@@ -6627,7 +7942,7 @@
       </p:grpSpPr>
       <p:sp>
         <p:nvSpPr>
-          <p:cNvPr id="53" name="Google Shape;53;p8"/>
+          <p:cNvPr id="84" name="Google Shape;84;p11"/>
           <p:cNvSpPr txBox="1"/>
           <p:nvPr>
             <p:ph idx="12" type="sldNum"/>
@@ -6674,7 +7989,7 @@
       </p:sp>
       <p:pic>
         <p:nvPicPr>
-          <p:cNvPr id="54" name="Google Shape;54;p8"/>
+          <p:cNvPr id="85" name="Google Shape;85;p11"/>
           <p:cNvPicPr preferRelativeResize="0"/>
           <p:nvPr/>
         </p:nvPicPr>
@@ -6701,7 +8016,7 @@
       </p:pic>
       <p:sp>
         <p:nvSpPr>
-          <p:cNvPr id="55" name="Google Shape;55;p8"/>
+          <p:cNvPr id="86" name="Google Shape;86;p11"/>
           <p:cNvSpPr txBox="1"/>
           <p:nvPr>
             <p:ph idx="11" type="ftr"/>
@@ -6748,7 +8063,7 @@
       </p:sp>
       <p:pic>
         <p:nvPicPr>
-          <p:cNvPr id="56" name="Google Shape;56;p8"/>
+          <p:cNvPr id="87" name="Google Shape;87;p11"/>
           <p:cNvPicPr preferRelativeResize="0"/>
           <p:nvPr/>
         </p:nvPicPr>
@@ -6776,7 +8091,7 @@
       </p:pic>
       <p:pic>
         <p:nvPicPr>
-          <p:cNvPr id="57" name="Google Shape;57;p8"/>
+          <p:cNvPr id="88" name="Google Shape;88;p11"/>
           <p:cNvPicPr preferRelativeResize="0"/>
           <p:nvPr/>
         </p:nvPicPr>
@@ -6804,14 +8119,14 @@
       </p:pic>
       <p:sp>
         <p:nvSpPr>
-          <p:cNvPr id="58" name="Google Shape;58;p8"/>
+          <p:cNvPr id="89" name="Google Shape;89;p11"/>
           <p:cNvSpPr txBox="1"/>
           <p:nvPr/>
         </p:nvSpPr>
         <p:spPr>
           <a:xfrm>
-            <a:off x="2289825" y="442575"/>
-            <a:ext cx="5840100" cy="685200"/>
+            <a:off x="1391600" y="432775"/>
+            <a:ext cx="9064800" cy="1021800"/>
           </a:xfrm>
           <a:prstGeom prst="rect">
             <a:avLst/>
@@ -6845,7 +8160,7 @@
               <a:buNone/>
             </a:pPr>
             <a:r>
-              <a:rPr b="1" lang="en-US" sz="2000">
+              <a:rPr b="1" lang="en-US" sz="3000">
                 <a:solidFill>
                   <a:srgbClr val="0D0C0C"/>
                 </a:solidFill>
@@ -6854,9 +8169,9 @@
                 <a:cs typeface="Verdana"/>
                 <a:sym typeface="Verdana"/>
               </a:rPr>
-              <a:t>Визуализация множества Ман-Дельброта.</a:t>
+              <a:t>Визуализация множества Мандельброта.</a:t>
             </a:r>
-            <a:endParaRPr b="1" sz="2000">
+            <a:endParaRPr b="1" sz="3000">
               <a:solidFill>
                 <a:srgbClr val="0D0C0C"/>
               </a:solidFill>
@@ -6886,7 +8201,7 @@
             <a:r>
               <a:t/>
             </a:r>
-            <a:endParaRPr b="1" sz="2000">
+            <a:endParaRPr b="1" sz="3000">
               <a:solidFill>
                 <a:srgbClr val="0D0C0C"/>
               </a:solidFill>
@@ -6900,7 +8215,7 @@
       </p:sp>
       <p:pic>
         <p:nvPicPr>
-          <p:cNvPr id="59" name="Google Shape;59;p8"/>
+          <p:cNvPr id="90" name="Google Shape;90;p11"/>
           <p:cNvPicPr preferRelativeResize="0"/>
           <p:nvPr/>
         </p:nvPicPr>
@@ -6927,7 +8242,7 @@
       </p:pic>
       <p:pic>
         <p:nvPicPr>
-          <p:cNvPr id="60" name="Google Shape;60;p8"/>
+          <p:cNvPr id="91" name="Google Shape;91;p11"/>
           <p:cNvPicPr preferRelativeResize="0"/>
           <p:nvPr/>
         </p:nvPicPr>
@@ -6940,8 +8255,8 @@
         </p:blipFill>
         <p:spPr>
           <a:xfrm>
-            <a:off x="7546850" y="1846850"/>
-            <a:ext cx="2520725" cy="2725150"/>
+            <a:off x="7330300" y="1612750"/>
+            <a:ext cx="2737275" cy="2959250"/>
           </a:xfrm>
           <a:prstGeom prst="rect">
             <a:avLst/>
@@ -6954,7 +8269,7 @@
       </p:pic>
       <p:sp>
         <p:nvSpPr>
-          <p:cNvPr id="61" name="Google Shape;61;p8"/>
+          <p:cNvPr id="92" name="Google Shape;92;p11"/>
           <p:cNvSpPr txBox="1"/>
           <p:nvPr/>
         </p:nvSpPr>
@@ -7042,7 +8357,7 @@
       </p:sp>
       <p:sp>
         <p:nvSpPr>
-          <p:cNvPr id="62" name="Google Shape;62;p8"/>
+          <p:cNvPr id="93" name="Google Shape;93;p11"/>
           <p:cNvSpPr txBox="1"/>
           <p:nvPr/>
         </p:nvSpPr>
@@ -7130,7 +8445,7 @@
       </p:sp>
       <p:sp>
         <p:nvSpPr>
-          <p:cNvPr id="63" name="Google Shape;63;p8"/>
+          <p:cNvPr id="94" name="Google Shape;94;p11"/>
           <p:cNvSpPr txBox="1"/>
           <p:nvPr/>
         </p:nvSpPr>
@@ -7224,12 +8539,12 @@
 </p:sld>
 </file>
 
-<file path=ppt/slides/slide3.xml><?xml version="1.0" encoding="utf-8"?>
+<file path=ppt/slides/slide6.xml><?xml version="1.0" encoding="utf-8"?>
 <p:sld xmlns:a="http://schemas.openxmlformats.org/drawingml/2006/main" xmlns:r="http://schemas.openxmlformats.org/officeDocument/2006/relationships" xmlns:mc="http://schemas.openxmlformats.org/markup-compatibility/2006" xmlns:mv="urn:schemas-microsoft-com:mac:vml" xmlns:p="http://schemas.openxmlformats.org/presentationml/2006/main" xmlns:c="http://schemas.openxmlformats.org/drawingml/2006/chart" xmlns:dgm="http://schemas.openxmlformats.org/drawingml/2006/diagram" xmlns:o="urn:schemas-microsoft-com:office:office" xmlns:v="urn:schemas-microsoft-com:vml" xmlns:pvml="urn:schemas-microsoft-com:office:powerpoint" xmlns:com="http://schemas.openxmlformats.org/drawingml/2006/compatibility" xmlns:p14="http://schemas.microsoft.com/office/powerpoint/2010/main" xmlns:p15="http://schemas.microsoft.com/office/powerpoint/2012/main" xmlns:ahyp="http://schemas.microsoft.com/office/drawing/2018/hyperlinkcolor">
   <p:cSld>
     <p:spTree>
       <p:nvGrpSpPr>
-        <p:cNvPr id="67" name="Shape 67"/>
+        <p:cNvPr id="98" name="Shape 98"/>
         <p:cNvGrpSpPr/>
         <p:nvPr/>
       </p:nvGrpSpPr>
@@ -7243,7 +8558,7 @@
       </p:grpSpPr>
       <p:sp>
         <p:nvSpPr>
-          <p:cNvPr id="68" name="Google Shape;68;p9"/>
+          <p:cNvPr id="99" name="Google Shape;99;p12"/>
           <p:cNvSpPr txBox="1"/>
           <p:nvPr>
             <p:ph idx="12" type="sldNum"/>
@@ -7290,7 +8605,7 @@
       </p:sp>
       <p:pic>
         <p:nvPicPr>
-          <p:cNvPr id="69" name="Google Shape;69;p9"/>
+          <p:cNvPr id="100" name="Google Shape;100;p12"/>
           <p:cNvPicPr preferRelativeResize="0"/>
           <p:nvPr/>
         </p:nvPicPr>
@@ -7318,7 +8633,7 @@
       </p:pic>
       <p:pic>
         <p:nvPicPr>
-          <p:cNvPr id="70" name="Google Shape;70;p9"/>
+          <p:cNvPr id="101" name="Google Shape;101;p12"/>
           <p:cNvPicPr preferRelativeResize="0"/>
           <p:nvPr/>
         </p:nvPicPr>
@@ -7345,7 +8660,7 @@
       </p:pic>
       <p:sp>
         <p:nvSpPr>
-          <p:cNvPr id="71" name="Google Shape;71;p9"/>
+          <p:cNvPr id="102" name="Google Shape;102;p12"/>
           <p:cNvSpPr txBox="1"/>
           <p:nvPr>
             <p:ph idx="11" type="ftr"/>
@@ -7392,14 +8707,14 @@
       </p:sp>
       <p:sp>
         <p:nvSpPr>
-          <p:cNvPr id="72" name="Google Shape;72;p9"/>
+          <p:cNvPr id="103" name="Google Shape;103;p12"/>
           <p:cNvSpPr txBox="1"/>
           <p:nvPr/>
         </p:nvSpPr>
         <p:spPr>
           <a:xfrm>
-            <a:off x="2122025" y="370250"/>
-            <a:ext cx="7897200" cy="1050900"/>
+            <a:off x="548800" y="370250"/>
+            <a:ext cx="9470400" cy="1674300"/>
           </a:xfrm>
           <a:prstGeom prst="rect">
             <a:avLst/>
@@ -7429,7 +8744,7 @@
               <a:buNone/>
             </a:pPr>
             <a:r>
-              <a:rPr b="1" lang="en-US" sz="2000">
+              <a:rPr b="1" lang="en-US" sz="3200">
                 <a:solidFill>
                   <a:srgbClr val="0D0C0C"/>
                 </a:solidFill>
@@ -7441,7 +8756,7 @@
               <a:t>Визуализация </a:t>
             </a:r>
             <a:r>
-              <a:rPr b="1" lang="en-US" sz="2000">
+              <a:rPr b="1" lang="en-US" sz="3200">
                 <a:solidFill>
                   <a:srgbClr val="0D0C0C"/>
                 </a:solidFill>
@@ -7452,7 +8767,7 @@
               </a:rPr>
               <a:t>заполненного множество Жюлиа.</a:t>
             </a:r>
-            <a:endParaRPr b="1" sz="2000">
+            <a:endParaRPr b="1" sz="3200">
               <a:solidFill>
                 <a:srgbClr val="0D0C0C"/>
               </a:solidFill>
@@ -7479,7 +8794,7 @@
             <a:r>
               <a:t/>
             </a:r>
-            <a:endParaRPr b="1" sz="2000">
+            <a:endParaRPr b="1" sz="3200">
               <a:solidFill>
                 <a:srgbClr val="0D0C0C"/>
               </a:solidFill>
@@ -7505,7 +8820,7 @@
             <a:r>
               <a:t/>
             </a:r>
-            <a:endParaRPr b="1" sz="2000">
+            <a:endParaRPr b="1" sz="3200">
               <a:solidFill>
                 <a:srgbClr val="0D0C0C"/>
               </a:solidFill>
@@ -7519,7 +8834,7 @@
       </p:sp>
       <p:sp>
         <p:nvSpPr>
-          <p:cNvPr id="73" name="Google Shape;73;p9"/>
+          <p:cNvPr id="104" name="Google Shape;104;p12"/>
           <p:cNvSpPr txBox="1"/>
           <p:nvPr/>
         </p:nvSpPr>
@@ -7607,13 +8922,13 @@
       </p:sp>
       <p:sp>
         <p:nvSpPr>
-          <p:cNvPr id="74" name="Google Shape;74;p9"/>
+          <p:cNvPr id="105" name="Google Shape;105;p12"/>
           <p:cNvSpPr txBox="1"/>
           <p:nvPr/>
         </p:nvSpPr>
         <p:spPr>
           <a:xfrm>
-            <a:off x="4509475" y="4429375"/>
+            <a:off x="4554038" y="4664575"/>
             <a:ext cx="778200" cy="685200"/>
           </a:xfrm>
           <a:prstGeom prst="rect">
@@ -7695,7 +9010,7 @@
       </p:sp>
       <p:sp>
         <p:nvSpPr>
-          <p:cNvPr id="75" name="Google Shape;75;p9"/>
+          <p:cNvPr id="106" name="Google Shape;106;p12"/>
           <p:cNvSpPr txBox="1"/>
           <p:nvPr/>
         </p:nvSpPr>
@@ -7783,7 +9098,7 @@
       </p:sp>
       <p:pic>
         <p:nvPicPr>
-          <p:cNvPr id="76" name="Google Shape;76;p9"/>
+          <p:cNvPr id="107" name="Google Shape;107;p12"/>
           <p:cNvPicPr preferRelativeResize="0"/>
           <p:nvPr/>
         </p:nvPicPr>
@@ -7811,7 +9126,7 @@
       </p:pic>
       <p:pic>
         <p:nvPicPr>
-          <p:cNvPr id="77" name="Google Shape;77;p9"/>
+          <p:cNvPr id="108" name="Google Shape;108;p12"/>
           <p:cNvPicPr preferRelativeResize="0"/>
           <p:nvPr/>
         </p:nvPicPr>
@@ -7825,7 +9140,7 @@
         </p:blipFill>
         <p:spPr>
           <a:xfrm>
-            <a:off x="3321725" y="1477100"/>
+            <a:off x="3321725" y="1633900"/>
             <a:ext cx="2703425" cy="2703425"/>
           </a:xfrm>
           <a:prstGeom prst="rect">
@@ -7839,7 +9154,7 @@
       </p:pic>
       <p:pic>
         <p:nvPicPr>
-          <p:cNvPr id="78" name="Google Shape;78;p9"/>
+          <p:cNvPr id="109" name="Google Shape;109;p12"/>
           <p:cNvPicPr preferRelativeResize="0"/>
           <p:nvPr/>
         </p:nvPicPr>
@@ -7873,12 +9188,12 @@
 </p:sld>
 </file>
 
-<file path=ppt/slides/slide4.xml><?xml version="1.0" encoding="utf-8"?>
+<file path=ppt/slides/slide7.xml><?xml version="1.0" encoding="utf-8"?>
 <p:sld xmlns:a="http://schemas.openxmlformats.org/drawingml/2006/main" xmlns:r="http://schemas.openxmlformats.org/officeDocument/2006/relationships" xmlns:mc="http://schemas.openxmlformats.org/markup-compatibility/2006" xmlns:mv="urn:schemas-microsoft-com:mac:vml" xmlns:p="http://schemas.openxmlformats.org/presentationml/2006/main" xmlns:c="http://schemas.openxmlformats.org/drawingml/2006/chart" xmlns:dgm="http://schemas.openxmlformats.org/drawingml/2006/diagram" xmlns:o="urn:schemas-microsoft-com:office:office" xmlns:v="urn:schemas-microsoft-com:vml" xmlns:pvml="urn:schemas-microsoft-com:office:powerpoint" xmlns:com="http://schemas.openxmlformats.org/drawingml/2006/compatibility" xmlns:p14="http://schemas.microsoft.com/office/powerpoint/2010/main" xmlns:p15="http://schemas.microsoft.com/office/powerpoint/2012/main" xmlns:ahyp="http://schemas.microsoft.com/office/drawing/2018/hyperlinkcolor">
   <p:cSld>
     <p:spTree>
       <p:nvGrpSpPr>
-        <p:cNvPr id="82" name="Shape 82"/>
+        <p:cNvPr id="113" name="Shape 113"/>
         <p:cNvGrpSpPr/>
         <p:nvPr/>
       </p:nvGrpSpPr>
@@ -7892,7 +9207,7 @@
       </p:grpSpPr>
       <p:sp>
         <p:nvSpPr>
-          <p:cNvPr id="83" name="Google Shape;83;p10"/>
+          <p:cNvPr id="114" name="Google Shape;114;p13"/>
           <p:cNvSpPr txBox="1"/>
           <p:nvPr>
             <p:ph idx="12" type="sldNum"/>
@@ -7939,7 +9254,7 @@
       </p:sp>
       <p:pic>
         <p:nvPicPr>
-          <p:cNvPr id="84" name="Google Shape;84;p10"/>
+          <p:cNvPr id="115" name="Google Shape;115;p13"/>
           <p:cNvPicPr preferRelativeResize="0"/>
           <p:nvPr/>
         </p:nvPicPr>
@@ -7967,7 +9282,7 @@
       </p:pic>
       <p:pic>
         <p:nvPicPr>
-          <p:cNvPr id="85" name="Google Shape;85;p10"/>
+          <p:cNvPr id="116" name="Google Shape;116;p13"/>
           <p:cNvPicPr preferRelativeResize="0"/>
           <p:nvPr/>
         </p:nvPicPr>
@@ -7994,7 +9309,7 @@
       </p:pic>
       <p:sp>
         <p:nvSpPr>
-          <p:cNvPr id="86" name="Google Shape;86;p10"/>
+          <p:cNvPr id="117" name="Google Shape;117;p13"/>
           <p:cNvSpPr txBox="1"/>
           <p:nvPr>
             <p:ph idx="11" type="ftr"/>
@@ -8041,7 +9356,7 @@
       </p:sp>
       <p:pic>
         <p:nvPicPr>
-          <p:cNvPr id="87" name="Google Shape;87;p10"/>
+          <p:cNvPr id="118" name="Google Shape;118;p13"/>
           <p:cNvPicPr preferRelativeResize="0"/>
           <p:nvPr/>
         </p:nvPicPr>
@@ -8068,7 +9383,7 @@
       </p:pic>
       <p:sp>
         <p:nvSpPr>
-          <p:cNvPr id="88" name="Google Shape;88;p10"/>
+          <p:cNvPr id="119" name="Google Shape;119;p13"/>
           <p:cNvSpPr txBox="1"/>
           <p:nvPr/>
         </p:nvSpPr>
@@ -8162,12 +9477,12 @@
 </p:sld>
 </file>
 
-<file path=ppt/slides/slide5.xml><?xml version="1.0" encoding="utf-8"?>
+<file path=ppt/slides/slide8.xml><?xml version="1.0" encoding="utf-8"?>
 <p:sld xmlns:a="http://schemas.openxmlformats.org/drawingml/2006/main" xmlns:r="http://schemas.openxmlformats.org/officeDocument/2006/relationships" xmlns:mc="http://schemas.openxmlformats.org/markup-compatibility/2006" xmlns:mv="urn:schemas-microsoft-com:mac:vml" xmlns:p="http://schemas.openxmlformats.org/presentationml/2006/main" xmlns:c="http://schemas.openxmlformats.org/drawingml/2006/chart" xmlns:dgm="http://schemas.openxmlformats.org/drawingml/2006/diagram" xmlns:o="urn:schemas-microsoft-com:office:office" xmlns:v="urn:schemas-microsoft-com:vml" xmlns:pvml="urn:schemas-microsoft-com:office:powerpoint" xmlns:com="http://schemas.openxmlformats.org/drawingml/2006/compatibility" xmlns:p14="http://schemas.microsoft.com/office/powerpoint/2010/main" xmlns:p15="http://schemas.microsoft.com/office/powerpoint/2012/main" xmlns:ahyp="http://schemas.microsoft.com/office/drawing/2018/hyperlinkcolor">
   <p:cSld>
     <p:spTree>
       <p:nvGrpSpPr>
-        <p:cNvPr id="92" name="Shape 92"/>
+        <p:cNvPr id="123" name="Shape 123"/>
         <p:cNvGrpSpPr/>
         <p:nvPr/>
       </p:nvGrpSpPr>
@@ -8181,7 +9496,7 @@
       </p:grpSpPr>
       <p:sp>
         <p:nvSpPr>
-          <p:cNvPr id="93" name="Google Shape;93;p11"/>
+          <p:cNvPr id="124" name="Google Shape;124;p14"/>
           <p:cNvSpPr txBox="1"/>
           <p:nvPr/>
         </p:nvSpPr>
@@ -8239,7 +9554,7 @@
       </p:sp>
       <p:sp>
         <p:nvSpPr>
-          <p:cNvPr id="94" name="Google Shape;94;p11"/>
+          <p:cNvPr id="125" name="Google Shape;125;p14"/>
           <p:cNvSpPr txBox="1"/>
           <p:nvPr/>
         </p:nvSpPr>
@@ -8297,7 +9612,7 @@
       </p:sp>
       <p:sp>
         <p:nvSpPr>
-          <p:cNvPr id="95" name="Google Shape;95;p11"/>
+          <p:cNvPr id="126" name="Google Shape;126;p14"/>
           <p:cNvSpPr txBox="1"/>
           <p:nvPr/>
         </p:nvSpPr>
@@ -8384,7 +9699,7 @@
       </p:sp>
       <p:pic>
         <p:nvPicPr>
-          <p:cNvPr id="96" name="Google Shape;96;p11"/>
+          <p:cNvPr id="127" name="Google Shape;127;p14"/>
           <p:cNvPicPr preferRelativeResize="0"/>
           <p:nvPr/>
         </p:nvPicPr>
@@ -8411,7 +9726,7 @@
       </p:pic>
       <p:sp>
         <p:nvSpPr>
-          <p:cNvPr id="97" name="Google Shape;97;p11"/>
+          <p:cNvPr id="128" name="Google Shape;128;p14"/>
           <p:cNvSpPr txBox="1"/>
           <p:nvPr>
             <p:ph idx="11" type="ftr"/>
@@ -8458,7 +9773,7 @@
       </p:sp>
       <p:pic>
         <p:nvPicPr>
-          <p:cNvPr id="98" name="Google Shape;98;p11"/>
+          <p:cNvPr id="129" name="Google Shape;129;p14"/>
           <p:cNvPicPr preferRelativeResize="0"/>
           <p:nvPr/>
         </p:nvPicPr>
@@ -8486,7 +9801,7 @@
       </p:pic>
       <p:pic>
         <p:nvPicPr>
-          <p:cNvPr id="99" name="Google Shape;99;p11"/>
+          <p:cNvPr id="130" name="Google Shape;130;p14"/>
           <p:cNvPicPr preferRelativeResize="0"/>
           <p:nvPr/>
         </p:nvPicPr>
@@ -8514,7 +9829,7 @@
       </p:pic>
       <p:sp>
         <p:nvSpPr>
-          <p:cNvPr id="100" name="Google Shape;100;p11"/>
+          <p:cNvPr id="131" name="Google Shape;131;p14"/>
           <p:cNvSpPr txBox="1"/>
           <p:nvPr/>
         </p:nvSpPr>
@@ -8572,7 +9887,7 @@
       </p:sp>
       <p:pic>
         <p:nvPicPr>
-          <p:cNvPr id="101" name="Google Shape;101;p11"/>
+          <p:cNvPr id="132" name="Google Shape;132;p14"/>
           <p:cNvPicPr preferRelativeResize="0"/>
           <p:nvPr/>
         </p:nvPicPr>
@@ -8607,6 +9922,285 @@
 </file>
 
 <file path=ppt/theme/theme1.xml><?xml version="1.0" encoding="utf-8"?>
+<a:theme xmlns:a="http://schemas.openxmlformats.org/drawingml/2006/main" xmlns:r="http://schemas.openxmlformats.org/officeDocument/2006/relationships">
+  <a:themeElements>
+    <a:clrScheme name="Default">
+      <a:dk1>
+        <a:srgbClr val="000000"/>
+      </a:dk1>
+      <a:lt1>
+        <a:srgbClr val="FFFFFF"/>
+      </a:lt1>
+      <a:dk2>
+        <a:srgbClr val="158158"/>
+      </a:dk2>
+      <a:lt2>
+        <a:srgbClr val="F3F3F3"/>
+      </a:lt2>
+      <a:accent1>
+        <a:srgbClr val="058DC7"/>
+      </a:accent1>
+      <a:accent2>
+        <a:srgbClr val="50B432"/>
+      </a:accent2>
+      <a:accent3>
+        <a:srgbClr val="ED561B"/>
+      </a:accent3>
+      <a:accent4>
+        <a:srgbClr val="EDEF00"/>
+      </a:accent4>
+      <a:accent5>
+        <a:srgbClr val="24CBE5"/>
+      </a:accent5>
+      <a:accent6>
+        <a:srgbClr val="64E572"/>
+      </a:accent6>
+      <a:hlink>
+        <a:srgbClr val="2200CC"/>
+      </a:hlink>
+      <a:folHlink>
+        <a:srgbClr val="551A8B"/>
+      </a:folHlink>
+    </a:clrScheme>
+    <a:fontScheme name="Office">
+      <a:majorFont>
+        <a:latin typeface="Arial"/>
+        <a:ea typeface=""/>
+        <a:cs typeface=""/>
+        <a:font script="Jpan" typeface="ＭＳ Ｐゴシック"/>
+        <a:font script="Hang" typeface="맑은 고딕"/>
+        <a:font script="Hans" typeface="宋体"/>
+        <a:font script="Hant" typeface="新細明體"/>
+        <a:font script="Arab" typeface="Times New Roman"/>
+        <a:font script="Hebr" typeface="Times New Roman"/>
+        <a:font script="Thai" typeface="Angsana New"/>
+        <a:font script="Ethi" typeface="Nyala"/>
+        <a:font script="Beng" typeface="Vrinda"/>
+        <a:font script="Gujr" typeface="Shruti"/>
+        <a:font script="Khmr" typeface="MoolBoran"/>
+        <a:font script="Knda" typeface="Tunga"/>
+        <a:font script="Guru" typeface="Raavi"/>
+        <a:font script="Cans" typeface="Euphemia"/>
+        <a:font script="Cher" typeface="Plantagenet Cherokee"/>
+        <a:font script="Yiii" typeface="Microsoft Yi Baiti"/>
+        <a:font script="Tibt" typeface="Microsoft Himalaya"/>
+        <a:font script="Thaa" typeface="MV Boli"/>
+        <a:font script="Deva" typeface="Mangal"/>
+        <a:font script="Telu" typeface="Gautami"/>
+        <a:font script="Taml" typeface="Latha"/>
+        <a:font script="Syrc" typeface="Estrangelo Edessa"/>
+        <a:font script="Orya" typeface="Kalinga"/>
+        <a:font script="Mlym" typeface="Kartika"/>
+        <a:font script="Laoo" typeface="DokChampa"/>
+        <a:font script="Sinh" typeface="Iskoola Pota"/>
+        <a:font script="Mong" typeface="Mongolian Baiti"/>
+        <a:font script="Viet" typeface="Times New Roman"/>
+        <a:font script="Uigh" typeface="Microsoft Uighur"/>
+        <a:font script="Geor" typeface="Sylfaen"/>
+      </a:majorFont>
+      <a:minorFont>
+        <a:latin typeface="Arial"/>
+        <a:ea typeface=""/>
+        <a:cs typeface=""/>
+        <a:font script="Jpan" typeface="ＭＳ Ｐゴシック"/>
+        <a:font script="Hang" typeface="맑은 고딕"/>
+        <a:font script="Hans" typeface="宋体"/>
+        <a:font script="Hant" typeface="新細明體"/>
+        <a:font script="Arab" typeface="Arial"/>
+        <a:font script="Hebr" typeface="Arial"/>
+        <a:font script="Thai" typeface="Cordia New"/>
+        <a:font script="Ethi" typeface="Nyala"/>
+        <a:font script="Beng" typeface="Vrinda"/>
+        <a:font script="Gujr" typeface="Shruti"/>
+        <a:font script="Khmr" typeface="DaunPenh"/>
+        <a:font script="Knda" typeface="Tunga"/>
+        <a:font script="Guru" typeface="Raavi"/>
+        <a:font script="Cans" typeface="Euphemia"/>
+        <a:font script="Cher" typeface="Plantagenet Cherokee"/>
+        <a:font script="Yiii" typeface="Microsoft Yi Baiti"/>
+        <a:font script="Tibt" typeface="Microsoft Himalaya"/>
+        <a:font script="Thaa" typeface="MV Boli"/>
+        <a:font script="Deva" typeface="Mangal"/>
+        <a:font script="Telu" typeface="Gautami"/>
+        <a:font script="Taml" typeface="Latha"/>
+        <a:font script="Syrc" typeface="Estrangelo Edessa"/>
+        <a:font script="Orya" typeface="Kalinga"/>
+        <a:font script="Mlym" typeface="Kartika"/>
+        <a:font script="Laoo" typeface="DokChampa"/>
+        <a:font script="Sinh" typeface="Iskoola Pota"/>
+        <a:font script="Mong" typeface="Mongolian Baiti"/>
+        <a:font script="Viet" typeface="Arial"/>
+        <a:font script="Uigh" typeface="Microsoft Uighur"/>
+        <a:font script="Geor" typeface="Sylfaen"/>
+      </a:minorFont>
+    </a:fontScheme>
+    <a:fmtScheme name="Office">
+      <a:fillStyleLst>
+        <a:solidFill>
+          <a:schemeClr val="phClr"/>
+        </a:solidFill>
+        <a:gradFill rotWithShape="1">
+          <a:gsLst>
+            <a:gs pos="0">
+              <a:schemeClr val="phClr">
+                <a:tint val="50000"/>
+                <a:satMod val="300000"/>
+              </a:schemeClr>
+            </a:gs>
+            <a:gs pos="35000">
+              <a:schemeClr val="phClr">
+                <a:tint val="37000"/>
+                <a:satMod val="300000"/>
+              </a:schemeClr>
+            </a:gs>
+            <a:gs pos="100000">
+              <a:schemeClr val="phClr">
+                <a:tint val="15000"/>
+                <a:satMod val="350000"/>
+              </a:schemeClr>
+            </a:gs>
+          </a:gsLst>
+          <a:lin ang="16200000" scaled="1"/>
+        </a:gradFill>
+        <a:gradFill rotWithShape="1">
+          <a:gsLst>
+            <a:gs pos="0">
+              <a:schemeClr val="phClr">
+                <a:tint val="100000"/>
+                <a:shade val="100000"/>
+                <a:satMod val="130000"/>
+              </a:schemeClr>
+            </a:gs>
+            <a:gs pos="100000">
+              <a:schemeClr val="phClr">
+                <a:tint val="50000"/>
+                <a:shade val="100000"/>
+                <a:satMod val="350000"/>
+              </a:schemeClr>
+            </a:gs>
+          </a:gsLst>
+          <a:lin ang="16200000" scaled="0"/>
+        </a:gradFill>
+      </a:fillStyleLst>
+      <a:lnStyleLst>
+        <a:ln w="9525" cap="flat" cmpd="sng" algn="ctr">
+          <a:solidFill>
+            <a:schemeClr val="phClr">
+              <a:shade val="95000"/>
+              <a:satMod val="105000"/>
+            </a:schemeClr>
+          </a:solidFill>
+          <a:prstDash val="solid"/>
+        </a:ln>
+        <a:ln w="25400" cap="flat" cmpd="sng" algn="ctr">
+          <a:solidFill>
+            <a:schemeClr val="phClr"/>
+          </a:solidFill>
+          <a:prstDash val="solid"/>
+        </a:ln>
+        <a:ln w="38100" cap="flat" cmpd="sng" algn="ctr">
+          <a:solidFill>
+            <a:schemeClr val="phClr"/>
+          </a:solidFill>
+          <a:prstDash val="solid"/>
+        </a:ln>
+      </a:lnStyleLst>
+      <a:effectStyleLst>
+        <a:effectStyle>
+          <a:effectLst>
+            <a:outerShdw blurRad="40000" dist="20000" dir="5400000" rotWithShape="0">
+              <a:srgbClr val="000000">
+                <a:alpha val="38000"/>
+              </a:srgbClr>
+            </a:outerShdw>
+          </a:effectLst>
+        </a:effectStyle>
+        <a:effectStyle>
+          <a:effectLst>
+            <a:outerShdw blurRad="40000" dist="23000" dir="5400000" rotWithShape="0">
+              <a:srgbClr val="000000">
+                <a:alpha val="35000"/>
+              </a:srgbClr>
+            </a:outerShdw>
+          </a:effectLst>
+        </a:effectStyle>
+        <a:effectStyle>
+          <a:effectLst>
+            <a:outerShdw blurRad="40000" dist="23000" dir="5400000" rotWithShape="0">
+              <a:srgbClr val="000000">
+                <a:alpha val="35000"/>
+              </a:srgbClr>
+            </a:outerShdw>
+          </a:effectLst>
+          <a:scene3d>
+            <a:camera prst="orthographicFront">
+              <a:rot lat="0" lon="0" rev="0"/>
+            </a:camera>
+            <a:lightRig rig="threePt" dir="t">
+              <a:rot lat="0" lon="0" rev="1200000"/>
+            </a:lightRig>
+          </a:scene3d>
+          <a:sp3d>
+            <a:bevelT w="63500" h="25400"/>
+          </a:sp3d>
+        </a:effectStyle>
+      </a:effectStyleLst>
+      <a:bgFillStyleLst>
+        <a:solidFill>
+          <a:schemeClr val="phClr"/>
+        </a:solidFill>
+        <a:gradFill rotWithShape="1">
+          <a:gsLst>
+            <a:gs pos="0">
+              <a:schemeClr val="phClr">
+                <a:tint val="40000"/>
+                <a:satMod val="350000"/>
+              </a:schemeClr>
+            </a:gs>
+            <a:gs pos="40000">
+              <a:schemeClr val="phClr">
+                <a:tint val="45000"/>
+                <a:shade val="99000"/>
+                <a:satMod val="350000"/>
+              </a:schemeClr>
+            </a:gs>
+            <a:gs pos="100000">
+              <a:schemeClr val="phClr">
+                <a:shade val="20000"/>
+                <a:satMod val="255000"/>
+              </a:schemeClr>
+            </a:gs>
+          </a:gsLst>
+          <a:path path="circle">
+            <a:fillToRect l="50000" t="-80000" r="50000" b="180000"/>
+          </a:path>
+        </a:gradFill>
+        <a:gradFill rotWithShape="1">
+          <a:gsLst>
+            <a:gs pos="0">
+              <a:schemeClr val="phClr">
+                <a:tint val="80000"/>
+                <a:satMod val="300000"/>
+              </a:schemeClr>
+            </a:gs>
+            <a:gs pos="100000">
+              <a:schemeClr val="phClr">
+                <a:shade val="30000"/>
+                <a:satMod val="200000"/>
+              </a:schemeClr>
+            </a:gs>
+          </a:gsLst>
+          <a:path path="circle">
+            <a:fillToRect l="50000" t="50000" r="50000" b="50000"/>
+          </a:path>
+        </a:gradFill>
+      </a:bgFillStyleLst>
+    </a:fmtScheme>
+  </a:themeElements>
+</a:theme>
+</file>
+
+<file path=ppt/theme/theme2.xml><?xml version="1.0" encoding="utf-8"?>
 <a:theme xmlns:a="http://schemas.openxmlformats.org/drawingml/2006/main" xmlns:r="http://schemas.openxmlformats.org/officeDocument/2006/relationships" name="Office Theme">
   <a:themeElements>
     <a:clrScheme name="Office">
@@ -8883,283 +10477,4 @@
     </a:fmtScheme>
   </a:themeElements>
 </a:theme>
-</file>
-
-<file path=ppt/theme/theme2.xml><?xml version="1.0" encoding="utf-8"?>
-<a:theme xmlns:a="http://schemas.openxmlformats.org/drawingml/2006/main" xmlns:r="http://schemas.openxmlformats.org/officeDocument/2006/relationships">
-  <a:themeElements>
-    <a:clrScheme name="Default">
-      <a:dk1>
-        <a:srgbClr val="000000"/>
-      </a:dk1>
-      <a:lt1>
-        <a:srgbClr val="FFFFFF"/>
-      </a:lt1>
-      <a:dk2>
-        <a:srgbClr val="158158"/>
-      </a:dk2>
-      <a:lt2>
-        <a:srgbClr val="F3F3F3"/>
-      </a:lt2>
-      <a:accent1>
-        <a:srgbClr val="058DC7"/>
-      </a:accent1>
-      <a:accent2>
-        <a:srgbClr val="50B432"/>
-      </a:accent2>
-      <a:accent3>
-        <a:srgbClr val="ED561B"/>
-      </a:accent3>
-      <a:accent4>
-        <a:srgbClr val="EDEF00"/>
-      </a:accent4>
-      <a:accent5>
-        <a:srgbClr val="24CBE5"/>
-      </a:accent5>
-      <a:accent6>
-        <a:srgbClr val="64E572"/>
-      </a:accent6>
-      <a:hlink>
-        <a:srgbClr val="2200CC"/>
-      </a:hlink>
-      <a:folHlink>
-        <a:srgbClr val="551A8B"/>
-      </a:folHlink>
-    </a:clrScheme>
-    <a:fontScheme name="Office">
-      <a:majorFont>
-        <a:latin typeface="Arial"/>
-        <a:ea typeface=""/>
-        <a:cs typeface=""/>
-        <a:font script="Jpan" typeface="ＭＳ Ｐゴシック"/>
-        <a:font script="Hang" typeface="맑은 고딕"/>
-        <a:font script="Hans" typeface="宋体"/>
-        <a:font script="Hant" typeface="新細明體"/>
-        <a:font script="Arab" typeface="Times New Roman"/>
-        <a:font script="Hebr" typeface="Times New Roman"/>
-        <a:font script="Thai" typeface="Angsana New"/>
-        <a:font script="Ethi" typeface="Nyala"/>
-        <a:font script="Beng" typeface="Vrinda"/>
-        <a:font script="Gujr" typeface="Shruti"/>
-        <a:font script="Khmr" typeface="MoolBoran"/>
-        <a:font script="Knda" typeface="Tunga"/>
-        <a:font script="Guru" typeface="Raavi"/>
-        <a:font script="Cans" typeface="Euphemia"/>
-        <a:font script="Cher" typeface="Plantagenet Cherokee"/>
-        <a:font script="Yiii" typeface="Microsoft Yi Baiti"/>
-        <a:font script="Tibt" typeface="Microsoft Himalaya"/>
-        <a:font script="Thaa" typeface="MV Boli"/>
-        <a:font script="Deva" typeface="Mangal"/>
-        <a:font script="Telu" typeface="Gautami"/>
-        <a:font script="Taml" typeface="Latha"/>
-        <a:font script="Syrc" typeface="Estrangelo Edessa"/>
-        <a:font script="Orya" typeface="Kalinga"/>
-        <a:font script="Mlym" typeface="Kartika"/>
-        <a:font script="Laoo" typeface="DokChampa"/>
-        <a:font script="Sinh" typeface="Iskoola Pota"/>
-        <a:font script="Mong" typeface="Mongolian Baiti"/>
-        <a:font script="Viet" typeface="Times New Roman"/>
-        <a:font script="Uigh" typeface="Microsoft Uighur"/>
-        <a:font script="Geor" typeface="Sylfaen"/>
-      </a:majorFont>
-      <a:minorFont>
-        <a:latin typeface="Arial"/>
-        <a:ea typeface=""/>
-        <a:cs typeface=""/>
-        <a:font script="Jpan" typeface="ＭＳ Ｐゴシック"/>
-        <a:font script="Hang" typeface="맑은 고딕"/>
-        <a:font script="Hans" typeface="宋体"/>
-        <a:font script="Hant" typeface="新細明體"/>
-        <a:font script="Arab" typeface="Arial"/>
-        <a:font script="Hebr" typeface="Arial"/>
-        <a:font script="Thai" typeface="Cordia New"/>
-        <a:font script="Ethi" typeface="Nyala"/>
-        <a:font script="Beng" typeface="Vrinda"/>
-        <a:font script="Gujr" typeface="Shruti"/>
-        <a:font script="Khmr" typeface="DaunPenh"/>
-        <a:font script="Knda" typeface="Tunga"/>
-        <a:font script="Guru" typeface="Raavi"/>
-        <a:font script="Cans" typeface="Euphemia"/>
-        <a:font script="Cher" typeface="Plantagenet Cherokee"/>
-        <a:font script="Yiii" typeface="Microsoft Yi Baiti"/>
-        <a:font script="Tibt" typeface="Microsoft Himalaya"/>
-        <a:font script="Thaa" typeface="MV Boli"/>
-        <a:font script="Deva" typeface="Mangal"/>
-        <a:font script="Telu" typeface="Gautami"/>
-        <a:font script="Taml" typeface="Latha"/>
-        <a:font script="Syrc" typeface="Estrangelo Edessa"/>
-        <a:font script="Orya" typeface="Kalinga"/>
-        <a:font script="Mlym" typeface="Kartika"/>
-        <a:font script="Laoo" typeface="DokChampa"/>
-        <a:font script="Sinh" typeface="Iskoola Pota"/>
-        <a:font script="Mong" typeface="Mongolian Baiti"/>
-        <a:font script="Viet" typeface="Arial"/>
-        <a:font script="Uigh" typeface="Microsoft Uighur"/>
-        <a:font script="Geor" typeface="Sylfaen"/>
-      </a:minorFont>
-    </a:fontScheme>
-    <a:fmtScheme name="Office">
-      <a:fillStyleLst>
-        <a:solidFill>
-          <a:schemeClr val="phClr"/>
-        </a:solidFill>
-        <a:gradFill rotWithShape="1">
-          <a:gsLst>
-            <a:gs pos="0">
-              <a:schemeClr val="phClr">
-                <a:tint val="50000"/>
-                <a:satMod val="300000"/>
-              </a:schemeClr>
-            </a:gs>
-            <a:gs pos="35000">
-              <a:schemeClr val="phClr">
-                <a:tint val="37000"/>
-                <a:satMod val="300000"/>
-              </a:schemeClr>
-            </a:gs>
-            <a:gs pos="100000">
-              <a:schemeClr val="phClr">
-                <a:tint val="15000"/>
-                <a:satMod val="350000"/>
-              </a:schemeClr>
-            </a:gs>
-          </a:gsLst>
-          <a:lin ang="16200000" scaled="1"/>
-        </a:gradFill>
-        <a:gradFill rotWithShape="1">
-          <a:gsLst>
-            <a:gs pos="0">
-              <a:schemeClr val="phClr">
-                <a:tint val="100000"/>
-                <a:shade val="100000"/>
-                <a:satMod val="130000"/>
-              </a:schemeClr>
-            </a:gs>
-            <a:gs pos="100000">
-              <a:schemeClr val="phClr">
-                <a:tint val="50000"/>
-                <a:shade val="100000"/>
-                <a:satMod val="350000"/>
-              </a:schemeClr>
-            </a:gs>
-          </a:gsLst>
-          <a:lin ang="16200000" scaled="0"/>
-        </a:gradFill>
-      </a:fillStyleLst>
-      <a:lnStyleLst>
-        <a:ln w="9525" cap="flat" cmpd="sng" algn="ctr">
-          <a:solidFill>
-            <a:schemeClr val="phClr">
-              <a:shade val="95000"/>
-              <a:satMod val="105000"/>
-            </a:schemeClr>
-          </a:solidFill>
-          <a:prstDash val="solid"/>
-        </a:ln>
-        <a:ln w="25400" cap="flat" cmpd="sng" algn="ctr">
-          <a:solidFill>
-            <a:schemeClr val="phClr"/>
-          </a:solidFill>
-          <a:prstDash val="solid"/>
-        </a:ln>
-        <a:ln w="38100" cap="flat" cmpd="sng" algn="ctr">
-          <a:solidFill>
-            <a:schemeClr val="phClr"/>
-          </a:solidFill>
-          <a:prstDash val="solid"/>
-        </a:ln>
-      </a:lnStyleLst>
-      <a:effectStyleLst>
-        <a:effectStyle>
-          <a:effectLst>
-            <a:outerShdw blurRad="40000" dist="20000" dir="5400000" rotWithShape="0">
-              <a:srgbClr val="000000">
-                <a:alpha val="38000"/>
-              </a:srgbClr>
-            </a:outerShdw>
-          </a:effectLst>
-        </a:effectStyle>
-        <a:effectStyle>
-          <a:effectLst>
-            <a:outerShdw blurRad="40000" dist="23000" dir="5400000" rotWithShape="0">
-              <a:srgbClr val="000000">
-                <a:alpha val="35000"/>
-              </a:srgbClr>
-            </a:outerShdw>
-          </a:effectLst>
-        </a:effectStyle>
-        <a:effectStyle>
-          <a:effectLst>
-            <a:outerShdw blurRad="40000" dist="23000" dir="5400000" rotWithShape="0">
-              <a:srgbClr val="000000">
-                <a:alpha val="35000"/>
-              </a:srgbClr>
-            </a:outerShdw>
-          </a:effectLst>
-          <a:scene3d>
-            <a:camera prst="orthographicFront">
-              <a:rot lat="0" lon="0" rev="0"/>
-            </a:camera>
-            <a:lightRig rig="threePt" dir="t">
-              <a:rot lat="0" lon="0" rev="1200000"/>
-            </a:lightRig>
-          </a:scene3d>
-          <a:sp3d>
-            <a:bevelT w="63500" h="25400"/>
-          </a:sp3d>
-        </a:effectStyle>
-      </a:effectStyleLst>
-      <a:bgFillStyleLst>
-        <a:solidFill>
-          <a:schemeClr val="phClr"/>
-        </a:solidFill>
-        <a:gradFill rotWithShape="1">
-          <a:gsLst>
-            <a:gs pos="0">
-              <a:schemeClr val="phClr">
-                <a:tint val="40000"/>
-                <a:satMod val="350000"/>
-              </a:schemeClr>
-            </a:gs>
-            <a:gs pos="40000">
-              <a:schemeClr val="phClr">
-                <a:tint val="45000"/>
-                <a:shade val="99000"/>
-                <a:satMod val="350000"/>
-              </a:schemeClr>
-            </a:gs>
-            <a:gs pos="100000">
-              <a:schemeClr val="phClr">
-                <a:shade val="20000"/>
-                <a:satMod val="255000"/>
-              </a:schemeClr>
-            </a:gs>
-          </a:gsLst>
-          <a:path path="circle">
-            <a:fillToRect l="50000" t="-80000" r="50000" b="180000"/>
-          </a:path>
-        </a:gradFill>
-        <a:gradFill rotWithShape="1">
-          <a:gsLst>
-            <a:gs pos="0">
-              <a:schemeClr val="phClr">
-                <a:tint val="80000"/>
-                <a:satMod val="300000"/>
-              </a:schemeClr>
-            </a:gs>
-            <a:gs pos="100000">
-              <a:schemeClr val="phClr">
-                <a:shade val="30000"/>
-                <a:satMod val="200000"/>
-              </a:schemeClr>
-            </a:gs>
-          </a:gsLst>
-          <a:path path="circle">
-            <a:fillToRect l="50000" t="50000" r="50000" b="50000"/>
-          </a:path>
-        </a:gradFill>
-      </a:bgFillStyleLst>
-    </a:fmtScheme>
-  </a:themeElements>
-</a:theme>
 </file>